--- a/RagとGuacamole：関係と仕組みの紹介.pptx
+++ b/RagとGuacamole：関係と仕組みの紹介.pptx
@@ -5,7 +5,7 @@
     <p:sldMasterId id="2147483648" r:id="rId1"/>
   </p:sldMasterIdLst>
   <p:notesMasterIdLst>
-    <p:notesMasterId r:id="rId10"/>
+    <p:notesMasterId r:id="rId9"/>
   </p:notesMasterIdLst>
   <p:sldIdLst>
     <p:sldId id="256" r:id="rId2"/>
@@ -13,9 +13,8 @@
     <p:sldId id="261" r:id="rId4"/>
     <p:sldId id="277" r:id="rId5"/>
     <p:sldId id="263" r:id="rId6"/>
-    <p:sldId id="266" r:id="rId7"/>
-    <p:sldId id="267" r:id="rId8"/>
-    <p:sldId id="271" r:id="rId9"/>
+    <p:sldId id="267" r:id="rId7"/>
+    <p:sldId id="271" r:id="rId8"/>
   </p:sldIdLst>
   <p:sldSz cx="12192000" cy="6858000"/>
   <p:notesSz cx="6858000" cy="12192000"/>
@@ -859,90 +858,6 @@
 </p:notes>
 </file>
 
-<file path=ppt/notesSlides/notesSlide8.xml><?xml version="1.0" encoding="utf-8"?>
-<p:notes xmlns:a="http://schemas.openxmlformats.org/drawingml/2006/main" xmlns:r="http://schemas.openxmlformats.org/officeDocument/2006/relationships" xmlns:p="http://schemas.openxmlformats.org/presentationml/2006/main">
-  <p:cSld>
-    <p:spTree>
-      <p:nvGrpSpPr>
-        <p:cNvPr id="1" name=""/>
-        <p:cNvGrpSpPr/>
-        <p:nvPr/>
-      </p:nvGrpSpPr>
-      <p:grpSpPr>
-        <a:xfrm>
-          <a:off x="0" y="0"/>
-          <a:ext cx="0" cy="0"/>
-          <a:chOff x="0" y="0"/>
-          <a:chExt cx="0" cy="0"/>
-        </a:xfrm>
-      </p:grpSpPr>
-      <p:sp>
-        <p:nvSpPr>
-          <p:cNvPr id="2" name="Slide Image Placeholder 1"/>
-          <p:cNvSpPr>
-            <a:spLocks noGrp="1" noRot="1" noChangeAspect="1"/>
-          </p:cNvSpPr>
-          <p:nvPr>
-            <p:ph type="sldImg"/>
-          </p:nvPr>
-        </p:nvSpPr>
-        <p:spPr/>
-      </p:sp>
-      <p:sp>
-        <p:nvSpPr>
-          <p:cNvPr id="3" name="Notes Placeholder 2"/>
-          <p:cNvSpPr>
-            <a:spLocks noGrp="1"/>
-          </p:cNvSpPr>
-          <p:nvPr>
-            <p:ph type="body" idx="1"/>
-          </p:nvPr>
-        </p:nvSpPr>
-        <p:spPr/>
-        <p:txBody>
-          <a:bodyPr/>
-          <a:lstStyle/>
-          <a:p>
-            <a:endParaRPr lang="en-US" dirty="0"/>
-          </a:p>
-        </p:txBody>
-      </p:sp>
-      <p:sp>
-        <p:nvSpPr>
-          <p:cNvPr id="4" name="Slide Number Placeholder 3"/>
-          <p:cNvSpPr>
-            <a:spLocks noGrp="1"/>
-          </p:cNvSpPr>
-          <p:nvPr>
-            <p:ph type="sldNum" sz="quarter" idx="10"/>
-          </p:nvPr>
-        </p:nvSpPr>
-        <p:spPr/>
-        <p:txBody>
-          <a:bodyPr/>
-          <a:lstStyle/>
-          <a:p>
-            <a:fld id="{F7021451-1387-4CA6-816F-3879F97B5CBC}" type="slidenum">
-              <a:rPr lang="en-US"/>
-              <a:t>8</a:t>
-            </a:fld>
-            <a:endParaRPr lang="en-US"/>
-          </a:p>
-        </p:txBody>
-      </p:sp>
-    </p:spTree>
-    <p:extLst>
-      <p:ext uri="{BB962C8B-B14F-4D97-AF65-F5344CB8AC3E}">
-        <p14:creationId xmlns:p14="http://schemas.microsoft.com/office/powerpoint/2010/main" val="1024086991"/>
-      </p:ext>
-    </p:extLst>
-  </p:cSld>
-  <p:clrMapOvr>
-    <a:masterClrMapping/>
-  </p:clrMapOvr>
-</p:notes>
-</file>
-
 <file path=ppt/slideLayouts/slideLayout1.xml><?xml version="1.0" encoding="utf-8"?>
 <p:sldLayout xmlns:a="http://schemas.openxmlformats.org/drawingml/2006/main" xmlns:r="http://schemas.openxmlformats.org/officeDocument/2006/relationships" xmlns:p="http://schemas.openxmlformats.org/presentationml/2006/main" preserve="1">
   <p:cSld name="DEFAULT">
@@ -1611,7 +1526,7 @@
                 <a:ea typeface="MiSans" pitchFamily="34" charset="-122"/>
                 <a:cs typeface="MiSans" pitchFamily="34" charset="-120"/>
               </a:rPr>
-              <a:t>：関係と仕組みの紹介</a:t>
+              <a:t>：関係と機能の紹介</a:t>
             </a:r>
             <a:endParaRPr lang="en-US" sz="1600" dirty="0"/>
           </a:p>
@@ -2129,8 +2044,8 @@
         </p:nvSpPr>
         <p:spPr>
           <a:xfrm>
-            <a:off x="1193800" y="4445000"/>
-            <a:ext cx="3771900" cy="304800"/>
+            <a:off x="1193799" y="4445000"/>
+            <a:ext cx="4235795" cy="355600"/>
           </a:xfrm>
           <a:prstGeom prst="rect">
             <a:avLst/>
@@ -2156,7 +2071,7 @@
                 <a:ea typeface="Noto Sans SC" pitchFamily="34" charset="-122"/>
                 <a:cs typeface="Noto Sans SC" pitchFamily="34" charset="-120"/>
               </a:rPr>
-              <a:t>マルチプロトコルリモート接続</a:t>
+              <a:t>マルチプロトコルリモートターゲットの接続</a:t>
             </a:r>
           </a:p>
         </p:txBody>
@@ -2334,8 +2249,8 @@
         </p:nvSpPr>
         <p:spPr>
           <a:xfrm>
-            <a:off x="6627495" y="4635183"/>
-            <a:ext cx="3759200" cy="1476368"/>
+            <a:off x="6627495" y="4665708"/>
+            <a:ext cx="4529454" cy="1435475"/>
           </a:xfrm>
           <a:prstGeom prst="rect">
             <a:avLst/>
@@ -2362,18 +2277,7 @@
             </a:r>
             <a:r>
               <a:rPr lang="ja-JP" altLang="en-US" sz="1600" dirty="0"/>
-              <a:t>接続の共有</a:t>
-            </a:r>
-            <a:br>
-              <a:rPr lang="en-US" altLang="ja-JP" sz="1600" dirty="0"/>
-            </a:br>
-            <a:r>
-              <a:rPr lang="en-US" altLang="ja-JP" sz="1600" dirty="0"/>
-              <a:t>     - </a:t>
-            </a:r>
-            <a:r>
-              <a:rPr lang="ja-JP" altLang="en-US" sz="1600" dirty="0"/>
-              <a:t>ファイルアップロード</a:t>
+              <a:t>セッション管理</a:t>
             </a:r>
             <a:endParaRPr lang="en-US" altLang="ja-JP" sz="1600" dirty="0"/>
           </a:p>
@@ -2384,12 +2288,31 @@
               </a:lnSpc>
             </a:pPr>
             <a:r>
+              <a:rPr lang="ja-JP" altLang="en-US" sz="1600" dirty="0"/>
+              <a:t>　　　・接続の共有</a:t>
+            </a:r>
+            <a:endParaRPr lang="en-US" altLang="ja-JP" sz="1600" dirty="0"/>
+          </a:p>
+          <a:p>
+            <a:pPr>
+              <a:lnSpc>
+                <a:spcPct val="120000"/>
+              </a:lnSpc>
+            </a:pPr>
+            <a:r>
+              <a:rPr lang="ja-JP" altLang="en-US" sz="1600" dirty="0"/>
+              <a:t>　　　・接続の切断</a:t>
+            </a:r>
+            <a:br>
+              <a:rPr lang="en-US" altLang="ja-JP" sz="1600" dirty="0"/>
+            </a:br>
+            <a:r>
               <a:rPr lang="en-US" altLang="ja-JP" sz="1600" dirty="0"/>
               <a:t>     - </a:t>
             </a:r>
             <a:r>
               <a:rPr lang="ja-JP" altLang="en-US" sz="1600" dirty="0"/>
-              <a:t>ダウンロード</a:t>
+              <a:t>ファイルアップロードとダウンロード</a:t>
             </a:r>
             <a:endParaRPr lang="en-US" altLang="ja-JP" sz="1600" dirty="0"/>
           </a:p>
@@ -4883,8 +4806,8 @@
         </p:nvSpPr>
         <p:spPr>
           <a:xfrm>
-            <a:off x="3139267" y="3659424"/>
-            <a:ext cx="2994660" cy="964725"/>
+            <a:off x="3139267" y="3497228"/>
+            <a:ext cx="2994660" cy="859285"/>
           </a:xfrm>
           <a:prstGeom prst="rect">
             <a:avLst/>
@@ -4910,29 +4833,8 @@
                 <a:ea typeface="Noto Sans SC" pitchFamily="34" charset="-122"/>
                 <a:cs typeface="Noto Sans SC" pitchFamily="34" charset="-120"/>
               </a:rPr>
-              <a:t>2. </a:t>
-            </a:r>
-            <a:r>
-              <a:rPr lang="en-US" sz="1600" b="1" dirty="0" err="1">
-                <a:solidFill>
-                  <a:srgbClr val="3068DB"/>
-                </a:solidFill>
-                <a:latin typeface="Noto Sans SC" pitchFamily="34" charset="0"/>
-                <a:ea typeface="Noto Sans SC" pitchFamily="34" charset="-122"/>
-                <a:cs typeface="Noto Sans SC" pitchFamily="34" charset="-120"/>
-              </a:rPr>
-              <a:t>Ragバックエンド</a:t>
-            </a:r>
-            <a:br>
-              <a:rPr lang="en-US" sz="1600" b="1" dirty="0">
-                <a:solidFill>
-                  <a:srgbClr val="3068DB"/>
-                </a:solidFill>
-                <a:latin typeface="Noto Sans SC" pitchFamily="34" charset="0"/>
-                <a:ea typeface="Noto Sans SC" pitchFamily="34" charset="-122"/>
-                <a:cs typeface="Noto Sans SC" pitchFamily="34" charset="-120"/>
-              </a:rPr>
-            </a:br>
+              <a:t>2. Rag</a:t>
+            </a:r>
             <a:r>
               <a:rPr lang="ja-JP" altLang="en-US" sz="1600" b="1" dirty="0">
                 <a:solidFill>
@@ -4942,63 +4844,7 @@
                 <a:ea typeface="Noto Sans SC" pitchFamily="34" charset="-122"/>
                 <a:cs typeface="Noto Sans SC" pitchFamily="34" charset="-120"/>
               </a:rPr>
-              <a:t>　　　　　＋</a:t>
-            </a:r>
-            <a:r>
-              <a:rPr lang="en-US" altLang="zh-CN" sz="1600" dirty="0" err="1">
-                <a:solidFill>
-                  <a:srgbClr val="212121"/>
-                </a:solidFill>
-                <a:latin typeface="Noto Sans SC" pitchFamily="34" charset="0"/>
-                <a:ea typeface="Noto Sans SC" pitchFamily="34" charset="-122"/>
-                <a:cs typeface="Noto Sans SC" pitchFamily="34" charset="-120"/>
-              </a:rPr>
-              <a:t>APIで接続要求</a:t>
-            </a:r>
-            <a:endParaRPr lang="en-US" sz="1600" b="1" dirty="0">
-              <a:solidFill>
-                <a:srgbClr val="3068DB"/>
-              </a:solidFill>
-              <a:latin typeface="Noto Sans SC" pitchFamily="34" charset="0"/>
-              <a:ea typeface="Noto Sans SC" pitchFamily="34" charset="-122"/>
-              <a:cs typeface="Noto Sans SC" pitchFamily="34" charset="-120"/>
-            </a:endParaRPr>
-          </a:p>
-          <a:p>
-            <a:pPr algn="ctr">
-              <a:lnSpc>
-                <a:spcPct val="130000"/>
-              </a:lnSpc>
-            </a:pPr>
-            <a:r>
-              <a:rPr lang="ja-JP" altLang="en-US" sz="1600" b="1" dirty="0">
-                <a:solidFill>
-                  <a:srgbClr val="3068DB"/>
-                </a:solidFill>
-                <a:latin typeface="Noto Sans SC" pitchFamily="34" charset="0"/>
-                <a:ea typeface="Noto Sans SC" pitchFamily="34" charset="-122"/>
-              </a:rPr>
-              <a:t>　　</a:t>
-            </a:r>
-            <a:r>
-              <a:rPr lang="en-US" altLang="zh-CN" sz="1600" b="1" dirty="0" err="1">
-                <a:solidFill>
-                  <a:srgbClr val="3068DB"/>
-                </a:solidFill>
-                <a:latin typeface="Noto Sans SC" pitchFamily="34" charset="0"/>
-                <a:ea typeface="Noto Sans SC" pitchFamily="34" charset="-122"/>
-              </a:rPr>
-              <a:t>gucamole</a:t>
-            </a:r>
-            <a:r>
-              <a:rPr lang="ja-JP" altLang="en-US" sz="1600" b="1" dirty="0">
-                <a:solidFill>
-                  <a:srgbClr val="3068DB"/>
-                </a:solidFill>
-                <a:latin typeface="Noto Sans SC" pitchFamily="34" charset="0"/>
-                <a:ea typeface="Noto Sans SC" pitchFamily="34" charset="-122"/>
-              </a:rPr>
-              <a:t>サーバ</a:t>
+              <a:t>　　　　</a:t>
             </a:r>
             <a:endParaRPr lang="en-US" sz="1600" dirty="0"/>
           </a:p>
@@ -5041,8 +4887,8 @@
           <p:nvPr/>
         </p:nvSpPr>
         <p:spPr>
-          <a:xfrm rot="19421397" flipV="1">
-            <a:off x="5552952" y="3987354"/>
+          <a:xfrm flipV="1">
+            <a:off x="5322570" y="3137791"/>
             <a:ext cx="1666592" cy="45719"/>
           </a:xfrm>
           <a:custGeom>
@@ -5564,7 +5410,7 @@
         <p:spPr>
           <a:xfrm>
             <a:off x="6421120" y="3683000"/>
-            <a:ext cx="2362200" cy="304800"/>
+            <a:ext cx="2362200" cy="805794"/>
           </a:xfrm>
           <a:prstGeom prst="rect">
             <a:avLst/>
@@ -5590,7 +5436,57 @@
                 <a:ea typeface="Noto Sans SC" pitchFamily="34" charset="-122"/>
                 <a:cs typeface="Noto Sans SC" pitchFamily="34" charset="-120"/>
               </a:rPr>
-              <a:t>3. guacd</a:t>
+              <a:t>3. </a:t>
+            </a:r>
+            <a:r>
+              <a:rPr lang="en-US" altLang="zh-CN" sz="1600" b="1" dirty="0" err="1">
+                <a:solidFill>
+                  <a:srgbClr val="3068DB"/>
+                </a:solidFill>
+                <a:latin typeface="Noto Sans SC" pitchFamily="34" charset="0"/>
+                <a:ea typeface="Noto Sans SC" pitchFamily="34" charset="-122"/>
+              </a:rPr>
+              <a:t>gucamole</a:t>
+            </a:r>
+            <a:r>
+              <a:rPr lang="ja-JP" altLang="en-US" sz="1600" b="1" dirty="0">
+                <a:solidFill>
+                  <a:srgbClr val="3068DB"/>
+                </a:solidFill>
+                <a:latin typeface="Noto Sans SC" pitchFamily="34" charset="0"/>
+                <a:ea typeface="Noto Sans SC" pitchFamily="34" charset="-122"/>
+              </a:rPr>
+              <a:t>サーバ</a:t>
+            </a:r>
+            <a:br>
+              <a:rPr lang="en-US" altLang="ja-JP" sz="1600" b="1" dirty="0">
+                <a:solidFill>
+                  <a:srgbClr val="3068DB"/>
+                </a:solidFill>
+                <a:latin typeface="Noto Sans SC" pitchFamily="34" charset="0"/>
+                <a:ea typeface="Noto Sans SC" pitchFamily="34" charset="-122"/>
+              </a:rPr>
+            </a:br>
+            <a:r>
+              <a:rPr lang="ja-JP" altLang="en-US" sz="1600" b="1" dirty="0">
+                <a:solidFill>
+                  <a:srgbClr val="3068DB"/>
+                </a:solidFill>
+                <a:latin typeface="Noto Sans SC" pitchFamily="34" charset="0"/>
+                <a:ea typeface="Noto Sans SC" pitchFamily="34" charset="-122"/>
+              </a:rPr>
+              <a:t>＋</a:t>
+            </a:r>
+            <a:r>
+              <a:rPr lang="en-US" sz="1600" b="1" dirty="0" err="1">
+                <a:solidFill>
+                  <a:srgbClr val="3068DB"/>
+                </a:solidFill>
+                <a:latin typeface="Noto Sans SC" pitchFamily="34" charset="0"/>
+                <a:ea typeface="Noto Sans SC" pitchFamily="34" charset="-122"/>
+                <a:cs typeface="Noto Sans SC" pitchFamily="34" charset="-120"/>
+              </a:rPr>
+              <a:t>guacd</a:t>
             </a:r>
             <a:endParaRPr lang="en-US" sz="1600" dirty="0"/>
           </a:p>
@@ -5604,7 +5500,7 @@
         </p:nvSpPr>
         <p:spPr>
           <a:xfrm>
-            <a:off x="6433820" y="3987800"/>
+            <a:off x="6504594" y="4518709"/>
             <a:ext cx="2336800" cy="203200"/>
           </a:xfrm>
           <a:prstGeom prst="rect">
@@ -6333,6 +6229,53 @@
                 <a:cs typeface="Noto Sans SC" pitchFamily="34" charset="-120"/>
               </a:rPr>
               <a:t>ターゲット</a:t>
+            </a:r>
+            <a:endParaRPr lang="en-US" sz="1600" dirty="0"/>
+          </a:p>
+        </p:txBody>
+      </p:sp>
+      <p:sp>
+        <p:nvSpPr>
+          <p:cNvPr id="31" name="Text 14">
+            <a:extLst>
+              <a:ext uri="{FF2B5EF4-FFF2-40B4-BE49-F238E27FC236}">
+                <a16:creationId xmlns:a16="http://schemas.microsoft.com/office/drawing/2014/main" id="{E9984E9C-5538-1658-FBE4-13F32AB31F72}"/>
+              </a:ext>
+            </a:extLst>
+          </p:cNvPr>
+          <p:cNvSpPr/>
+          <p:nvPr/>
+        </p:nvSpPr>
+        <p:spPr>
+          <a:xfrm>
+            <a:off x="4890135" y="2851490"/>
+            <a:ext cx="2336800" cy="203200"/>
+          </a:xfrm>
+          <a:prstGeom prst="rect">
+            <a:avLst/>
+          </a:prstGeom>
+          <a:noFill/>
+          <a:ln/>
+        </p:spPr>
+        <p:txBody>
+          <a:bodyPr wrap="square" lIns="0" tIns="0" rIns="0" bIns="0" rtlCol="0" anchor="ctr"/>
+          <a:lstStyle/>
+          <a:p>
+            <a:pPr algn="ctr">
+              <a:lnSpc>
+                <a:spcPct val="110000"/>
+              </a:lnSpc>
+            </a:pPr>
+            <a:r>
+              <a:rPr lang="en-US" altLang="zh-CN" sz="1200" dirty="0" err="1">
+                <a:solidFill>
+                  <a:srgbClr val="212121"/>
+                </a:solidFill>
+                <a:latin typeface="Noto Sans SC" pitchFamily="34" charset="0"/>
+                <a:ea typeface="Noto Sans SC" pitchFamily="34" charset="-122"/>
+                <a:cs typeface="Noto Sans SC" pitchFamily="34" charset="-120"/>
+              </a:rPr>
+              <a:t>APIで接続要求</a:t>
             </a:r>
             <a:endParaRPr lang="en-US" sz="1600" dirty="0"/>
           </a:p>
@@ -6347,1114 +6290,6 @@
 </file>
 
 <file path=ppt/slides/slide6.xml><?xml version="1.0" encoding="utf-8"?>
-<p:sld xmlns:a="http://schemas.openxmlformats.org/drawingml/2006/main" xmlns:r="http://schemas.openxmlformats.org/officeDocument/2006/relationships" xmlns:p="http://schemas.openxmlformats.org/presentationml/2006/main">
-  <p:cSld name="Slide 11">
-    <p:bg>
-      <p:bgPr>
-        <a:solidFill>
-          <a:srgbClr val="F3F4F6"/>
-        </a:solidFill>
-        <a:effectLst/>
-      </p:bgPr>
-    </p:bg>
-    <p:spTree>
-      <p:nvGrpSpPr>
-        <p:cNvPr id="1" name=""/>
-        <p:cNvGrpSpPr/>
-        <p:nvPr/>
-      </p:nvGrpSpPr>
-      <p:grpSpPr>
-        <a:xfrm>
-          <a:off x="0" y="0"/>
-          <a:ext cx="0" cy="0"/>
-          <a:chOff x="0" y="0"/>
-          <a:chExt cx="0" cy="0"/>
-        </a:xfrm>
-      </p:grpSpPr>
-      <p:pic>
-        <p:nvPicPr>
-          <p:cNvPr id="2" name="Image 0" descr="https://kimi-img.moonshot.cn/pub/slides/slides_tmpl/image/25-09-05-18:06:12-d2tbc55nfo2stf9djotg.jpeg"/>
-          <p:cNvPicPr>
-            <a:picLocks noChangeAspect="1"/>
-          </p:cNvPicPr>
-          <p:nvPr/>
-        </p:nvPicPr>
-        <p:blipFill>
-          <a:blip r:embed="rId3">
-            <a:alphaModFix amt="40000"/>
-          </a:blip>
-          <a:stretch>
-            <a:fillRect/>
-          </a:stretch>
-        </p:blipFill>
-        <p:spPr>
-          <a:xfrm rot="16200000">
-            <a:off x="2685661" y="-2667000"/>
-            <a:ext cx="6858000" cy="12192000"/>
-          </a:xfrm>
-          <a:prstGeom prst="rect">
-            <a:avLst/>
-          </a:prstGeom>
-        </p:spPr>
-      </p:pic>
-      <p:pic>
-        <p:nvPicPr>
-          <p:cNvPr id="3" name="Image 1" descr="https://kimi-img.moonshot.cn/pub/slides/slides_tmpl/image/25-09-05-18:06:13-d2tbc5dnfo2stf9djov0.png"/>
-          <p:cNvPicPr>
-            <a:picLocks noChangeAspect="1"/>
-          </p:cNvPicPr>
-          <p:nvPr/>
-        </p:nvPicPr>
-        <p:blipFill>
-          <a:blip r:embed="rId4"/>
-          <a:stretch>
-            <a:fillRect/>
-          </a:stretch>
-        </p:blipFill>
-        <p:spPr>
-          <a:xfrm rot="19920000" flipH="1">
-            <a:off x="10808335" y="-596265"/>
-            <a:ext cx="2172335" cy="2176780"/>
-          </a:xfrm>
-          <a:prstGeom prst="rect">
-            <a:avLst/>
-          </a:prstGeom>
-        </p:spPr>
-      </p:pic>
-      <p:pic>
-        <p:nvPicPr>
-          <p:cNvPr id="4" name="Image 2" descr="https://kimi-img.moonshot.cn/pub/slides/slides_tmpl/image/25-09-05-18:06:13-d2tbc5dnfo2stf9djov0.png"/>
-          <p:cNvPicPr>
-            <a:picLocks noChangeAspect="1"/>
-          </p:cNvPicPr>
-          <p:nvPr/>
-        </p:nvPicPr>
-        <p:blipFill>
-          <a:blip r:embed="rId4"/>
-          <a:stretch>
-            <a:fillRect/>
-          </a:stretch>
-        </p:blipFill>
-        <p:spPr>
-          <a:xfrm>
-            <a:off x="-782955" y="5003800"/>
-            <a:ext cx="1850390" cy="1854200"/>
-          </a:xfrm>
-          <a:prstGeom prst="rect">
-            <a:avLst/>
-          </a:prstGeom>
-        </p:spPr>
-      </p:pic>
-      <p:pic>
-        <p:nvPicPr>
-          <p:cNvPr id="6" name="Image 4" descr="https://kimi-img.moonshot.cn/pub/slides/slides_tmpl/image/25-09-05-18:06:13-d2tbc5dnfo2stf9djoug.png"/>
-          <p:cNvPicPr>
-            <a:picLocks noChangeAspect="1"/>
-          </p:cNvPicPr>
-          <p:nvPr/>
-        </p:nvPicPr>
-        <p:blipFill>
-          <a:blip r:embed="rId5"/>
-          <a:stretch>
-            <a:fillRect/>
-          </a:stretch>
-        </p:blipFill>
-        <p:spPr>
-          <a:xfrm rot="16200000">
-            <a:off x="34290" y="183515"/>
-            <a:ext cx="547370" cy="963930"/>
-          </a:xfrm>
-          <a:prstGeom prst="rect">
-            <a:avLst/>
-          </a:prstGeom>
-        </p:spPr>
-      </p:pic>
-      <p:sp>
-        <p:nvSpPr>
-          <p:cNvPr id="7" name="Text 0"/>
-          <p:cNvSpPr/>
-          <p:nvPr/>
-        </p:nvSpPr>
-        <p:spPr>
-          <a:xfrm>
-            <a:off x="158750" y="1549400"/>
-            <a:ext cx="11874500" cy="457200"/>
-          </a:xfrm>
-          <a:prstGeom prst="rect">
-            <a:avLst/>
-          </a:prstGeom>
-          <a:noFill/>
-          <a:ln/>
-        </p:spPr>
-        <p:txBody>
-          <a:bodyPr wrap="square" lIns="0" tIns="0" rIns="0" bIns="0" rtlCol="0" anchor="ctr"/>
-          <a:lstStyle/>
-          <a:p>
-            <a:pPr algn="ctr">
-              <a:lnSpc>
-                <a:spcPct val="100000"/>
-              </a:lnSpc>
-            </a:pPr>
-            <a:r>
-              <a:rPr lang="en-US" sz="3000" b="1" dirty="0" err="1">
-                <a:solidFill>
-                  <a:srgbClr val="0C3C84"/>
-                </a:solidFill>
-                <a:latin typeface="Noto Sans SC" pitchFamily="34" charset="0"/>
-                <a:ea typeface="Noto Sans SC" pitchFamily="34" charset="-122"/>
-                <a:cs typeface="Noto Sans SC" pitchFamily="34" charset="-120"/>
-              </a:rPr>
-              <a:t>監査で操作を可視化</a:t>
-            </a:r>
-            <a:endParaRPr lang="en-US" sz="1600" dirty="0"/>
-          </a:p>
-        </p:txBody>
-      </p:sp>
-      <p:sp>
-        <p:nvSpPr>
-          <p:cNvPr id="8" name="Text 1"/>
-          <p:cNvSpPr/>
-          <p:nvPr/>
-        </p:nvSpPr>
-        <p:spPr>
-          <a:xfrm>
-            <a:off x="203200" y="2108200"/>
-            <a:ext cx="11785600" cy="304800"/>
-          </a:xfrm>
-          <a:prstGeom prst="rect">
-            <a:avLst/>
-          </a:prstGeom>
-          <a:noFill/>
-          <a:ln/>
-        </p:spPr>
-        <p:txBody>
-          <a:bodyPr wrap="square" lIns="0" tIns="0" rIns="0" bIns="0" rtlCol="0" anchor="ctr"/>
-          <a:lstStyle/>
-          <a:p>
-            <a:pPr algn="ctr">
-              <a:lnSpc>
-                <a:spcPct val="130000"/>
-              </a:lnSpc>
-            </a:pPr>
-            <a:r>
-              <a:rPr lang="en-US" sz="1600" dirty="0" err="1">
-                <a:solidFill>
-                  <a:srgbClr val="3068DB"/>
-                </a:solidFill>
-                <a:latin typeface="Noto Sans SC" pitchFamily="34" charset="0"/>
-                <a:ea typeface="Noto Sans SC" pitchFamily="34" charset="-122"/>
-                <a:cs typeface="Noto Sans SC" pitchFamily="34" charset="-120"/>
-              </a:rPr>
-              <a:t>全</a:t>
-            </a:r>
-            <a:r>
-              <a:rPr lang="en-US" altLang="ja-JP" sz="1600" dirty="0" err="1">
-                <a:solidFill>
-                  <a:srgbClr val="3068DB"/>
-                </a:solidFill>
-                <a:latin typeface="Noto Sans SC" pitchFamily="34" charset="0"/>
-                <a:ea typeface="Noto Sans SC" pitchFamily="34" charset="-122"/>
-                <a:cs typeface="Noto Sans SC" pitchFamily="34" charset="-120"/>
-              </a:rPr>
-              <a:t>SSH</a:t>
-            </a:r>
-            <a:r>
-              <a:rPr lang="en-US" sz="1600" dirty="0" err="1">
-                <a:solidFill>
-                  <a:srgbClr val="3068DB"/>
-                </a:solidFill>
-                <a:latin typeface="Noto Sans SC" pitchFamily="34" charset="0"/>
-                <a:ea typeface="Noto Sans SC" pitchFamily="34" charset="-122"/>
-                <a:cs typeface="Noto Sans SC" pitchFamily="34" charset="-120"/>
-              </a:rPr>
-              <a:t>コマンド操作を漏れなくテキストログに記録し、セキュリティ監査と原因追跡を強化</a:t>
-            </a:r>
-            <a:endParaRPr lang="en-US" sz="1600" dirty="0"/>
-          </a:p>
-        </p:txBody>
-      </p:sp>
-      <p:sp>
-        <p:nvSpPr>
-          <p:cNvPr id="9" name="Shape 2"/>
-          <p:cNvSpPr/>
-          <p:nvPr/>
-        </p:nvSpPr>
-        <p:spPr>
-          <a:xfrm>
-            <a:off x="1456214" y="2946400"/>
-            <a:ext cx="1219200" cy="1219200"/>
-          </a:xfrm>
-          <a:custGeom>
-            <a:avLst/>
-            <a:gdLst/>
-            <a:ahLst/>
-            <a:cxnLst/>
-            <a:rect l="l" t="t" r="r" b="b"/>
-            <a:pathLst>
-              <a:path w="1219200" h="1219200">
-                <a:moveTo>
-                  <a:pt x="609600" y="0"/>
-                </a:moveTo>
-                <a:lnTo>
-                  <a:pt x="609600" y="0"/>
-                </a:lnTo>
-                <a:cubicBezTo>
-                  <a:pt x="946047" y="0"/>
-                  <a:pt x="1219200" y="273153"/>
-                  <a:pt x="1219200" y="609600"/>
-                </a:cubicBezTo>
-                <a:lnTo>
-                  <a:pt x="1219200" y="609600"/>
-                </a:lnTo>
-                <a:cubicBezTo>
-                  <a:pt x="1219200" y="946047"/>
-                  <a:pt x="946047" y="1219200"/>
-                  <a:pt x="609600" y="1219200"/>
-                </a:cubicBezTo>
-                <a:lnTo>
-                  <a:pt x="609600" y="1219200"/>
-                </a:lnTo>
-                <a:cubicBezTo>
-                  <a:pt x="273153" y="1219200"/>
-                  <a:pt x="0" y="946047"/>
-                  <a:pt x="0" y="609600"/>
-                </a:cubicBezTo>
-                <a:lnTo>
-                  <a:pt x="0" y="609600"/>
-                </a:lnTo>
-                <a:cubicBezTo>
-                  <a:pt x="0" y="273153"/>
-                  <a:pt x="273153" y="0"/>
-                  <a:pt x="609600" y="0"/>
-                </a:cubicBezTo>
-                <a:close/>
-              </a:path>
-            </a:pathLst>
-          </a:custGeom>
-          <a:solidFill>
-            <a:srgbClr val="8BACF3">
-              <a:alpha val="30196"/>
-            </a:srgbClr>
-          </a:solidFill>
-          <a:ln/>
-        </p:spPr>
-        <p:txBody>
-          <a:bodyPr/>
-          <a:lstStyle/>
-          <a:p>
-            <a:endParaRPr lang="zh-CN" altLang="en-US"/>
-          </a:p>
-        </p:txBody>
-      </p:sp>
-      <p:sp>
-        <p:nvSpPr>
-          <p:cNvPr id="10" name="Shape 3"/>
-          <p:cNvSpPr/>
-          <p:nvPr/>
-        </p:nvSpPr>
-        <p:spPr>
-          <a:xfrm>
-            <a:off x="1761014" y="3251200"/>
-            <a:ext cx="609600" cy="609600"/>
-          </a:xfrm>
-          <a:custGeom>
-            <a:avLst/>
-            <a:gdLst/>
-            <a:ahLst/>
-            <a:cxnLst/>
-            <a:rect l="l" t="t" r="r" b="b"/>
-            <a:pathLst>
-              <a:path w="609600" h="609600">
-                <a:moveTo>
-                  <a:pt x="11192" y="141208"/>
-                </a:moveTo>
-                <a:cubicBezTo>
-                  <a:pt x="-3691" y="126325"/>
-                  <a:pt x="-3691" y="102156"/>
-                  <a:pt x="11192" y="87273"/>
-                </a:cubicBezTo>
-                <a:cubicBezTo>
-                  <a:pt x="26075" y="72390"/>
-                  <a:pt x="50244" y="72390"/>
-                  <a:pt x="65127" y="87273"/>
-                </a:cubicBezTo>
-                <a:lnTo>
-                  <a:pt x="255627" y="277773"/>
-                </a:lnTo>
-                <a:cubicBezTo>
-                  <a:pt x="270510" y="292656"/>
-                  <a:pt x="270510" y="316825"/>
-                  <a:pt x="255627" y="331708"/>
-                </a:cubicBezTo>
-                <a:lnTo>
-                  <a:pt x="65127" y="522208"/>
-                </a:lnTo>
-                <a:cubicBezTo>
-                  <a:pt x="50244" y="537091"/>
-                  <a:pt x="26075" y="537091"/>
-                  <a:pt x="11192" y="522208"/>
-                </a:cubicBezTo>
-                <a:cubicBezTo>
-                  <a:pt x="-3691" y="507325"/>
-                  <a:pt x="-3691" y="483156"/>
-                  <a:pt x="11192" y="468273"/>
-                </a:cubicBezTo>
-                <a:lnTo>
-                  <a:pt x="174665" y="304800"/>
-                </a:lnTo>
-                <a:lnTo>
-                  <a:pt x="11192" y="141208"/>
-                </a:lnTo>
-                <a:close/>
-                <a:moveTo>
-                  <a:pt x="266700" y="457200"/>
-                </a:moveTo>
-                <a:lnTo>
-                  <a:pt x="571500" y="457200"/>
-                </a:lnTo>
-                <a:cubicBezTo>
-                  <a:pt x="592574" y="457200"/>
-                  <a:pt x="609600" y="474226"/>
-                  <a:pt x="609600" y="495300"/>
-                </a:cubicBezTo>
-                <a:cubicBezTo>
-                  <a:pt x="609600" y="516374"/>
-                  <a:pt x="592574" y="533400"/>
-                  <a:pt x="571500" y="533400"/>
-                </a:cubicBezTo>
-                <a:lnTo>
-                  <a:pt x="266700" y="533400"/>
-                </a:lnTo>
-                <a:cubicBezTo>
-                  <a:pt x="245626" y="533400"/>
-                  <a:pt x="228600" y="516374"/>
-                  <a:pt x="228600" y="495300"/>
-                </a:cubicBezTo>
-                <a:cubicBezTo>
-                  <a:pt x="228600" y="474226"/>
-                  <a:pt x="245626" y="457200"/>
-                  <a:pt x="266700" y="457200"/>
-                </a:cubicBezTo>
-                <a:close/>
-              </a:path>
-            </a:pathLst>
-          </a:custGeom>
-          <a:solidFill>
-            <a:srgbClr val="3068DB"/>
-          </a:solidFill>
-          <a:ln/>
-        </p:spPr>
-        <p:txBody>
-          <a:bodyPr/>
-          <a:lstStyle/>
-          <a:p>
-            <a:endParaRPr lang="zh-CN" altLang="en-US"/>
-          </a:p>
-        </p:txBody>
-      </p:sp>
-      <p:sp>
-        <p:nvSpPr>
-          <p:cNvPr id="11" name="Text 4"/>
-          <p:cNvSpPr/>
-          <p:nvPr/>
-        </p:nvSpPr>
-        <p:spPr>
-          <a:xfrm>
-            <a:off x="203200" y="4318000"/>
-            <a:ext cx="3721100" cy="304800"/>
-          </a:xfrm>
-          <a:prstGeom prst="rect">
-            <a:avLst/>
-          </a:prstGeom>
-          <a:noFill/>
-          <a:ln/>
-        </p:spPr>
-        <p:txBody>
-          <a:bodyPr wrap="square" lIns="0" tIns="0" rIns="0" bIns="0" rtlCol="0" anchor="ctr"/>
-          <a:lstStyle/>
-          <a:p>
-            <a:pPr algn="ctr">
-              <a:lnSpc>
-                <a:spcPct val="130000"/>
-              </a:lnSpc>
-            </a:pPr>
-            <a:r>
-              <a:rPr lang="en-US" sz="1600" b="1" dirty="0">
-                <a:solidFill>
-                  <a:srgbClr val="3068DB"/>
-                </a:solidFill>
-                <a:latin typeface="Noto Sans SC" pitchFamily="34" charset="0"/>
-                <a:ea typeface="Noto Sans SC" pitchFamily="34" charset="-122"/>
-                <a:cs typeface="Noto Sans SC" pitchFamily="34" charset="-120"/>
-              </a:rPr>
-              <a:t>コマンド単位の記録</a:t>
-            </a:r>
-            <a:endParaRPr lang="en-US" sz="1600" dirty="0"/>
-          </a:p>
-        </p:txBody>
-      </p:sp>
-      <p:sp>
-        <p:nvSpPr>
-          <p:cNvPr id="12" name="Text 5"/>
-          <p:cNvSpPr/>
-          <p:nvPr/>
-        </p:nvSpPr>
-        <p:spPr>
-          <a:xfrm>
-            <a:off x="209550" y="4673600"/>
-            <a:ext cx="3708400" cy="508000"/>
-          </a:xfrm>
-          <a:prstGeom prst="rect">
-            <a:avLst/>
-          </a:prstGeom>
-          <a:noFill/>
-          <a:ln/>
-        </p:spPr>
-        <p:txBody>
-          <a:bodyPr wrap="square" lIns="0" tIns="0" rIns="0" bIns="0" rtlCol="0" anchor="ctr"/>
-          <a:lstStyle/>
-          <a:p>
-            <a:pPr algn="ctr">
-              <a:lnSpc>
-                <a:spcPct val="120000"/>
-              </a:lnSpc>
-            </a:pPr>
-            <a:r>
-              <a:rPr lang="en-US" sz="1400" dirty="0">
-                <a:solidFill>
-                  <a:srgbClr val="212121"/>
-                </a:solidFill>
-                <a:latin typeface="Noto Sans SC" pitchFamily="34" charset="0"/>
-                <a:ea typeface="Noto Sans SC" pitchFamily="34" charset="-122"/>
-                <a:cs typeface="Noto Sans SC" pitchFamily="34" charset="-120"/>
-              </a:rPr>
-              <a:t>実行された全コマンドをテキストとして保存。事後の効率的な確認が可能。</a:t>
-            </a:r>
-            <a:endParaRPr lang="en-US" sz="1600" dirty="0"/>
-          </a:p>
-        </p:txBody>
-      </p:sp>
-      <p:sp>
-        <p:nvSpPr>
-          <p:cNvPr id="13" name="Shape 6"/>
-          <p:cNvSpPr/>
-          <p:nvPr/>
-        </p:nvSpPr>
-        <p:spPr>
-          <a:xfrm>
-            <a:off x="5486400" y="2946400"/>
-            <a:ext cx="1219200" cy="1219200"/>
-          </a:xfrm>
-          <a:custGeom>
-            <a:avLst/>
-            <a:gdLst/>
-            <a:ahLst/>
-            <a:cxnLst/>
-            <a:rect l="l" t="t" r="r" b="b"/>
-            <a:pathLst>
-              <a:path w="1219200" h="1219200">
-                <a:moveTo>
-                  <a:pt x="609600" y="0"/>
-                </a:moveTo>
-                <a:lnTo>
-                  <a:pt x="609600" y="0"/>
-                </a:lnTo>
-                <a:cubicBezTo>
-                  <a:pt x="946047" y="0"/>
-                  <a:pt x="1219200" y="273153"/>
-                  <a:pt x="1219200" y="609600"/>
-                </a:cubicBezTo>
-                <a:lnTo>
-                  <a:pt x="1219200" y="609600"/>
-                </a:lnTo>
-                <a:cubicBezTo>
-                  <a:pt x="1219200" y="946047"/>
-                  <a:pt x="946047" y="1219200"/>
-                  <a:pt x="609600" y="1219200"/>
-                </a:cubicBezTo>
-                <a:lnTo>
-                  <a:pt x="609600" y="1219200"/>
-                </a:lnTo>
-                <a:cubicBezTo>
-                  <a:pt x="273153" y="1219200"/>
-                  <a:pt x="0" y="946047"/>
-                  <a:pt x="0" y="609600"/>
-                </a:cubicBezTo>
-                <a:lnTo>
-                  <a:pt x="0" y="609600"/>
-                </a:lnTo>
-                <a:cubicBezTo>
-                  <a:pt x="0" y="273153"/>
-                  <a:pt x="273153" y="0"/>
-                  <a:pt x="609600" y="0"/>
-                </a:cubicBezTo>
-                <a:close/>
-              </a:path>
-            </a:pathLst>
-          </a:custGeom>
-          <a:solidFill>
-            <a:srgbClr val="8BACF3">
-              <a:alpha val="30196"/>
-            </a:srgbClr>
-          </a:solidFill>
-          <a:ln/>
-        </p:spPr>
-        <p:txBody>
-          <a:bodyPr/>
-          <a:lstStyle/>
-          <a:p>
-            <a:endParaRPr lang="zh-CN" altLang="en-US"/>
-          </a:p>
-        </p:txBody>
-      </p:sp>
-      <p:sp>
-        <p:nvSpPr>
-          <p:cNvPr id="14" name="Shape 7"/>
-          <p:cNvSpPr/>
-          <p:nvPr/>
-        </p:nvSpPr>
-        <p:spPr>
-          <a:xfrm>
-            <a:off x="5791200" y="3251200"/>
-            <a:ext cx="609600" cy="609600"/>
-          </a:xfrm>
-          <a:custGeom>
-            <a:avLst/>
-            <a:gdLst/>
-            <a:ahLst/>
-            <a:cxnLst/>
-            <a:rect l="l" t="t" r="r" b="b"/>
-            <a:pathLst>
-              <a:path w="609600" h="609600">
-                <a:moveTo>
-                  <a:pt x="495300" y="247650"/>
-                </a:moveTo>
-                <a:cubicBezTo>
-                  <a:pt x="495300" y="302300"/>
-                  <a:pt x="477560" y="352782"/>
-                  <a:pt x="447675" y="393740"/>
-                </a:cubicBezTo>
-                <a:lnTo>
-                  <a:pt x="598408" y="544592"/>
-                </a:lnTo>
-                <a:cubicBezTo>
-                  <a:pt x="613291" y="559475"/>
-                  <a:pt x="613291" y="583644"/>
-                  <a:pt x="598408" y="598527"/>
-                </a:cubicBezTo>
-                <a:cubicBezTo>
-                  <a:pt x="583525" y="613410"/>
-                  <a:pt x="559356" y="613410"/>
-                  <a:pt x="544473" y="598527"/>
-                </a:cubicBezTo>
-                <a:lnTo>
-                  <a:pt x="393740" y="447675"/>
-                </a:lnTo>
-                <a:cubicBezTo>
-                  <a:pt x="352782" y="477560"/>
-                  <a:pt x="302300" y="495300"/>
-                  <a:pt x="247650" y="495300"/>
-                </a:cubicBezTo>
-                <a:cubicBezTo>
-                  <a:pt x="110847" y="495300"/>
-                  <a:pt x="0" y="384453"/>
-                  <a:pt x="0" y="247650"/>
-                </a:cubicBezTo>
-                <a:cubicBezTo>
-                  <a:pt x="0" y="110847"/>
-                  <a:pt x="110847" y="0"/>
-                  <a:pt x="247650" y="0"/>
-                </a:cubicBezTo>
-                <a:cubicBezTo>
-                  <a:pt x="384453" y="0"/>
-                  <a:pt x="495300" y="110847"/>
-                  <a:pt x="495300" y="247650"/>
-                </a:cubicBezTo>
-                <a:close/>
-                <a:moveTo>
-                  <a:pt x="247650" y="133350"/>
-                </a:moveTo>
-                <a:cubicBezTo>
-                  <a:pt x="231815" y="133350"/>
-                  <a:pt x="219075" y="146090"/>
-                  <a:pt x="219075" y="161925"/>
-                </a:cubicBezTo>
-                <a:lnTo>
-                  <a:pt x="219075" y="219075"/>
-                </a:lnTo>
-                <a:lnTo>
-                  <a:pt x="161925" y="219075"/>
-                </a:lnTo>
-                <a:cubicBezTo>
-                  <a:pt x="146090" y="219075"/>
-                  <a:pt x="133350" y="231815"/>
-                  <a:pt x="133350" y="247650"/>
-                </a:cubicBezTo>
-                <a:cubicBezTo>
-                  <a:pt x="133350" y="263485"/>
-                  <a:pt x="146090" y="276225"/>
-                  <a:pt x="161925" y="276225"/>
-                </a:cubicBezTo>
-                <a:lnTo>
-                  <a:pt x="219075" y="276225"/>
-                </a:lnTo>
-                <a:lnTo>
-                  <a:pt x="219075" y="333375"/>
-                </a:lnTo>
-                <a:cubicBezTo>
-                  <a:pt x="219075" y="349210"/>
-                  <a:pt x="231815" y="361950"/>
-                  <a:pt x="247650" y="361950"/>
-                </a:cubicBezTo>
-                <a:cubicBezTo>
-                  <a:pt x="263485" y="361950"/>
-                  <a:pt x="276225" y="349210"/>
-                  <a:pt x="276225" y="333375"/>
-                </a:cubicBezTo>
-                <a:lnTo>
-                  <a:pt x="276225" y="276225"/>
-                </a:lnTo>
-                <a:lnTo>
-                  <a:pt x="333375" y="276225"/>
-                </a:lnTo>
-                <a:cubicBezTo>
-                  <a:pt x="349210" y="276225"/>
-                  <a:pt x="361950" y="263485"/>
-                  <a:pt x="361950" y="247650"/>
-                </a:cubicBezTo>
-                <a:cubicBezTo>
-                  <a:pt x="361950" y="231815"/>
-                  <a:pt x="349210" y="219075"/>
-                  <a:pt x="333375" y="219075"/>
-                </a:cubicBezTo>
-                <a:lnTo>
-                  <a:pt x="276225" y="219075"/>
-                </a:lnTo>
-                <a:lnTo>
-                  <a:pt x="276225" y="161925"/>
-                </a:lnTo>
-                <a:cubicBezTo>
-                  <a:pt x="276225" y="146090"/>
-                  <a:pt x="263485" y="133350"/>
-                  <a:pt x="247650" y="133350"/>
-                </a:cubicBezTo>
-                <a:close/>
-              </a:path>
-            </a:pathLst>
-          </a:custGeom>
-          <a:solidFill>
-            <a:srgbClr val="3068DB"/>
-          </a:solidFill>
-          <a:ln/>
-        </p:spPr>
-        <p:txBody>
-          <a:bodyPr/>
-          <a:lstStyle/>
-          <a:p>
-            <a:endParaRPr lang="zh-CN" altLang="en-US"/>
-          </a:p>
-        </p:txBody>
-      </p:sp>
-      <p:sp>
-        <p:nvSpPr>
-          <p:cNvPr id="15" name="Text 8"/>
-          <p:cNvSpPr/>
-          <p:nvPr/>
-        </p:nvSpPr>
-        <p:spPr>
-          <a:xfrm>
-            <a:off x="4233386" y="4318000"/>
-            <a:ext cx="3721100" cy="304800"/>
-          </a:xfrm>
-          <a:prstGeom prst="rect">
-            <a:avLst/>
-          </a:prstGeom>
-          <a:noFill/>
-          <a:ln/>
-        </p:spPr>
-        <p:txBody>
-          <a:bodyPr wrap="square" lIns="0" tIns="0" rIns="0" bIns="0" rtlCol="0" anchor="ctr"/>
-          <a:lstStyle/>
-          <a:p>
-            <a:pPr algn="ctr">
-              <a:lnSpc>
-                <a:spcPct val="130000"/>
-              </a:lnSpc>
-            </a:pPr>
-            <a:r>
-              <a:rPr lang="en-US" sz="1600" b="1" dirty="0">
-                <a:solidFill>
-                  <a:srgbClr val="3068DB"/>
-                </a:solidFill>
-                <a:latin typeface="Noto Sans SC" pitchFamily="34" charset="0"/>
-                <a:ea typeface="Noto Sans SC" pitchFamily="34" charset="-122"/>
-                <a:cs typeface="Noto Sans SC" pitchFamily="34" charset="-120"/>
-              </a:rPr>
-              <a:t>不正操作の追跡</a:t>
-            </a:r>
-            <a:endParaRPr lang="en-US" sz="1600" dirty="0"/>
-          </a:p>
-        </p:txBody>
-      </p:sp>
-      <p:sp>
-        <p:nvSpPr>
-          <p:cNvPr id="16" name="Text 9"/>
-          <p:cNvSpPr/>
-          <p:nvPr/>
-        </p:nvSpPr>
-        <p:spPr>
-          <a:xfrm>
-            <a:off x="4239736" y="4673600"/>
-            <a:ext cx="3708400" cy="508000"/>
-          </a:xfrm>
-          <a:prstGeom prst="rect">
-            <a:avLst/>
-          </a:prstGeom>
-          <a:noFill/>
-          <a:ln/>
-        </p:spPr>
-        <p:txBody>
-          <a:bodyPr wrap="square" lIns="0" tIns="0" rIns="0" bIns="0" rtlCol="0" anchor="ctr"/>
-          <a:lstStyle/>
-          <a:p>
-            <a:pPr algn="ctr">
-              <a:lnSpc>
-                <a:spcPct val="120000"/>
-              </a:lnSpc>
-            </a:pPr>
-            <a:r>
-              <a:rPr lang="en-US" sz="1400" dirty="0">
-                <a:solidFill>
-                  <a:srgbClr val="212121"/>
-                </a:solidFill>
-                <a:latin typeface="Noto Sans SC" pitchFamily="34" charset="0"/>
-                <a:ea typeface="Noto Sans SC" pitchFamily="34" charset="-122"/>
-                <a:cs typeface="Noto Sans SC" pitchFamily="34" charset="-120"/>
-              </a:rPr>
-              <a:t>重要操作やファイル削除などを即座に把握。問題発生時の原因究明に有用。</a:t>
-            </a:r>
-            <a:endParaRPr lang="en-US" sz="1600" dirty="0"/>
-          </a:p>
-        </p:txBody>
-      </p:sp>
-      <p:sp>
-        <p:nvSpPr>
-          <p:cNvPr id="17" name="Shape 10"/>
-          <p:cNvSpPr/>
-          <p:nvPr/>
-        </p:nvSpPr>
-        <p:spPr>
-          <a:xfrm>
-            <a:off x="9516587" y="2819400"/>
-            <a:ext cx="1219200" cy="1219200"/>
-          </a:xfrm>
-          <a:custGeom>
-            <a:avLst/>
-            <a:gdLst/>
-            <a:ahLst/>
-            <a:cxnLst/>
-            <a:rect l="l" t="t" r="r" b="b"/>
-            <a:pathLst>
-              <a:path w="1219200" h="1219200">
-                <a:moveTo>
-                  <a:pt x="609600" y="0"/>
-                </a:moveTo>
-                <a:lnTo>
-                  <a:pt x="609600" y="0"/>
-                </a:lnTo>
-                <a:cubicBezTo>
-                  <a:pt x="946047" y="0"/>
-                  <a:pt x="1219200" y="273153"/>
-                  <a:pt x="1219200" y="609600"/>
-                </a:cubicBezTo>
-                <a:lnTo>
-                  <a:pt x="1219200" y="609600"/>
-                </a:lnTo>
-                <a:cubicBezTo>
-                  <a:pt x="1219200" y="946047"/>
-                  <a:pt x="946047" y="1219200"/>
-                  <a:pt x="609600" y="1219200"/>
-                </a:cubicBezTo>
-                <a:lnTo>
-                  <a:pt x="609600" y="1219200"/>
-                </a:lnTo>
-                <a:cubicBezTo>
-                  <a:pt x="273153" y="1219200"/>
-                  <a:pt x="0" y="946047"/>
-                  <a:pt x="0" y="609600"/>
-                </a:cubicBezTo>
-                <a:lnTo>
-                  <a:pt x="0" y="609600"/>
-                </a:lnTo>
-                <a:cubicBezTo>
-                  <a:pt x="0" y="273153"/>
-                  <a:pt x="273153" y="0"/>
-                  <a:pt x="609600" y="0"/>
-                </a:cubicBezTo>
-                <a:close/>
-              </a:path>
-            </a:pathLst>
-          </a:custGeom>
-          <a:solidFill>
-            <a:srgbClr val="8BACF3">
-              <a:alpha val="30196"/>
-            </a:srgbClr>
-          </a:solidFill>
-          <a:ln/>
-        </p:spPr>
-        <p:txBody>
-          <a:bodyPr/>
-          <a:lstStyle/>
-          <a:p>
-            <a:endParaRPr lang="zh-CN" altLang="en-US"/>
-          </a:p>
-        </p:txBody>
-      </p:sp>
-      <p:sp>
-        <p:nvSpPr>
-          <p:cNvPr id="18" name="Shape 11"/>
-          <p:cNvSpPr/>
-          <p:nvPr/>
-        </p:nvSpPr>
-        <p:spPr>
-          <a:xfrm>
-            <a:off x="9897587" y="3124200"/>
-            <a:ext cx="457200" cy="609600"/>
-          </a:xfrm>
-          <a:custGeom>
-            <a:avLst/>
-            <a:gdLst/>
-            <a:ahLst/>
-            <a:cxnLst/>
-            <a:rect l="l" t="t" r="r" b="b"/>
-            <a:pathLst>
-              <a:path w="457200" h="609600">
-                <a:moveTo>
-                  <a:pt x="0" y="76200"/>
-                </a:moveTo>
-                <a:cubicBezTo>
-                  <a:pt x="0" y="34171"/>
-                  <a:pt x="34171" y="0"/>
-                  <a:pt x="76200" y="0"/>
-                </a:cubicBezTo>
-                <a:lnTo>
-                  <a:pt x="254198" y="0"/>
-                </a:lnTo>
-                <a:cubicBezTo>
-                  <a:pt x="274439" y="0"/>
-                  <a:pt x="293846" y="7977"/>
-                  <a:pt x="308134" y="22265"/>
-                </a:cubicBezTo>
-                <a:lnTo>
-                  <a:pt x="434935" y="149185"/>
-                </a:lnTo>
-                <a:cubicBezTo>
-                  <a:pt x="449223" y="163473"/>
-                  <a:pt x="457200" y="182880"/>
-                  <a:pt x="457200" y="203121"/>
-                </a:cubicBezTo>
-                <a:lnTo>
-                  <a:pt x="457200" y="533400"/>
-                </a:lnTo>
-                <a:cubicBezTo>
-                  <a:pt x="457200" y="575429"/>
-                  <a:pt x="423029" y="609600"/>
-                  <a:pt x="381000" y="609600"/>
-                </a:cubicBezTo>
-                <a:lnTo>
-                  <a:pt x="76200" y="609600"/>
-                </a:lnTo>
-                <a:cubicBezTo>
-                  <a:pt x="34171" y="609600"/>
-                  <a:pt x="0" y="575429"/>
-                  <a:pt x="0" y="533400"/>
-                </a:cubicBezTo>
-                <a:lnTo>
-                  <a:pt x="0" y="76200"/>
-                </a:lnTo>
-                <a:close/>
-                <a:moveTo>
-                  <a:pt x="247650" y="69652"/>
-                </a:moveTo>
-                <a:lnTo>
-                  <a:pt x="247650" y="180975"/>
-                </a:lnTo>
-                <a:cubicBezTo>
-                  <a:pt x="247650" y="196810"/>
-                  <a:pt x="260390" y="209550"/>
-                  <a:pt x="276225" y="209550"/>
-                </a:cubicBezTo>
-                <a:lnTo>
-                  <a:pt x="387548" y="209550"/>
-                </a:lnTo>
-                <a:lnTo>
-                  <a:pt x="247650" y="69652"/>
-                </a:lnTo>
-                <a:close/>
-                <a:moveTo>
-                  <a:pt x="208359" y="525066"/>
-                </a:moveTo>
-                <a:cubicBezTo>
-                  <a:pt x="219551" y="536258"/>
-                  <a:pt x="237649" y="536258"/>
-                  <a:pt x="248722" y="525066"/>
-                </a:cubicBezTo>
-                <a:lnTo>
-                  <a:pt x="324922" y="448866"/>
-                </a:lnTo>
-                <a:cubicBezTo>
-                  <a:pt x="336113" y="437674"/>
-                  <a:pt x="336113" y="419576"/>
-                  <a:pt x="324922" y="408503"/>
-                </a:cubicBezTo>
-                <a:cubicBezTo>
-                  <a:pt x="313730" y="397431"/>
-                  <a:pt x="295632" y="397312"/>
-                  <a:pt x="284559" y="408503"/>
-                </a:cubicBezTo>
-                <a:lnTo>
-                  <a:pt x="257175" y="435888"/>
-                </a:lnTo>
-                <a:lnTo>
-                  <a:pt x="257175" y="333375"/>
-                </a:lnTo>
-                <a:cubicBezTo>
-                  <a:pt x="257175" y="317540"/>
-                  <a:pt x="244435" y="304800"/>
-                  <a:pt x="228600" y="304800"/>
-                </a:cubicBezTo>
-                <a:cubicBezTo>
-                  <a:pt x="212765" y="304800"/>
-                  <a:pt x="200025" y="317540"/>
-                  <a:pt x="200025" y="333375"/>
-                </a:cubicBezTo>
-                <a:lnTo>
-                  <a:pt x="200025" y="435888"/>
-                </a:lnTo>
-                <a:lnTo>
-                  <a:pt x="172641" y="408503"/>
-                </a:lnTo>
-                <a:cubicBezTo>
-                  <a:pt x="161449" y="397312"/>
-                  <a:pt x="143351" y="397312"/>
-                  <a:pt x="132278" y="408503"/>
-                </a:cubicBezTo>
-                <a:cubicBezTo>
-                  <a:pt x="121206" y="419695"/>
-                  <a:pt x="121087" y="437793"/>
-                  <a:pt x="132278" y="448866"/>
-                </a:cubicBezTo>
-                <a:lnTo>
-                  <a:pt x="208478" y="525066"/>
-                </a:lnTo>
-                <a:close/>
-              </a:path>
-            </a:pathLst>
-          </a:custGeom>
-          <a:solidFill>
-            <a:srgbClr val="3068DB"/>
-          </a:solidFill>
-          <a:ln/>
-        </p:spPr>
-        <p:txBody>
-          <a:bodyPr/>
-          <a:lstStyle/>
-          <a:p>
-            <a:endParaRPr lang="zh-CN" altLang="en-US"/>
-          </a:p>
-        </p:txBody>
-      </p:sp>
-      <p:sp>
-        <p:nvSpPr>
-          <p:cNvPr id="19" name="Text 12"/>
-          <p:cNvSpPr/>
-          <p:nvPr/>
-        </p:nvSpPr>
-        <p:spPr>
-          <a:xfrm>
-            <a:off x="8263572" y="4191000"/>
-            <a:ext cx="3721100" cy="304800"/>
-          </a:xfrm>
-          <a:prstGeom prst="rect">
-            <a:avLst/>
-          </a:prstGeom>
-          <a:noFill/>
-          <a:ln/>
-        </p:spPr>
-        <p:txBody>
-          <a:bodyPr wrap="square" lIns="0" tIns="0" rIns="0" bIns="0" rtlCol="0" anchor="ctr"/>
-          <a:lstStyle/>
-          <a:p>
-            <a:pPr algn="ctr">
-              <a:lnSpc>
-                <a:spcPct val="130000"/>
-              </a:lnSpc>
-            </a:pPr>
-            <a:r>
-              <a:rPr lang="en-US" sz="1600" b="1" dirty="0">
-                <a:solidFill>
-                  <a:srgbClr val="3068DB"/>
-                </a:solidFill>
-                <a:latin typeface="Noto Sans SC" pitchFamily="34" charset="0"/>
-                <a:ea typeface="Noto Sans SC" pitchFamily="34" charset="-122"/>
-                <a:cs typeface="Noto Sans SC" pitchFamily="34" charset="-120"/>
-              </a:rPr>
-              <a:t>ログの長期保存</a:t>
-            </a:r>
-            <a:endParaRPr lang="en-US" sz="1600" dirty="0"/>
-          </a:p>
-        </p:txBody>
-      </p:sp>
-      <p:sp>
-        <p:nvSpPr>
-          <p:cNvPr id="20" name="Text 13"/>
-          <p:cNvSpPr/>
-          <p:nvPr/>
-        </p:nvSpPr>
-        <p:spPr>
-          <a:xfrm>
-            <a:off x="8269922" y="4546600"/>
-            <a:ext cx="3708400" cy="762000"/>
-          </a:xfrm>
-          <a:prstGeom prst="rect">
-            <a:avLst/>
-          </a:prstGeom>
-          <a:noFill/>
-          <a:ln/>
-        </p:spPr>
-        <p:txBody>
-          <a:bodyPr wrap="square" lIns="0" tIns="0" rIns="0" bIns="0" rtlCol="0" anchor="ctr"/>
-          <a:lstStyle/>
-          <a:p>
-            <a:pPr algn="ctr">
-              <a:lnSpc>
-                <a:spcPct val="120000"/>
-              </a:lnSpc>
-            </a:pPr>
-            <a:r>
-              <a:rPr lang="en-US" sz="1400" dirty="0">
-                <a:solidFill>
-                  <a:srgbClr val="212121"/>
-                </a:solidFill>
-                <a:latin typeface="Noto Sans SC" pitchFamily="34" charset="0"/>
-                <a:ea typeface="Noto Sans SC" pitchFamily="34" charset="-122"/>
-                <a:cs typeface="Noto Sans SC" pitchFamily="34" charset="-120"/>
-              </a:rPr>
-              <a:t>コンプライアンス要件を満たすため、ログを長期保存。必要時に簡単にダウンロード可能。</a:t>
-            </a:r>
-            <a:endParaRPr lang="en-US" sz="1600" dirty="0"/>
-          </a:p>
-        </p:txBody>
-      </p:sp>
-    </p:spTree>
-  </p:cSld>
-  <p:clrMapOvr>
-    <a:masterClrMapping/>
-  </p:clrMapOvr>
-</p:sld>
-</file>
-
-<file path=ppt/slides/slide7.xml><?xml version="1.0" encoding="utf-8"?>
 <p:sld xmlns:a="http://schemas.openxmlformats.org/drawingml/2006/main" xmlns:r="http://schemas.openxmlformats.org/officeDocument/2006/relationships" xmlns:p="http://schemas.openxmlformats.org/presentationml/2006/main">
   <p:cSld name="Slide 12">
     <p:bg>
@@ -7497,7 +6332,7 @@
         </p:blipFill>
         <p:spPr>
           <a:xfrm rot="16200000">
-            <a:off x="2667000" y="-2667000"/>
+            <a:off x="2666999" y="-2667000"/>
             <a:ext cx="6858000" cy="12192000"/>
           </a:xfrm>
           <a:prstGeom prst="rect">
@@ -7555,29 +6390,6 @@
       </p:pic>
       <p:pic>
         <p:nvPicPr>
-          <p:cNvPr id="5" name="Image 3" descr="https://kimi-img.moonshot.cn/pub/slides/slides_tmpl/image/25-09-05-18:06:14-d2tbc5lnfo2stf9djp50.png"/>
-          <p:cNvPicPr>
-            <a:picLocks noChangeAspect="1"/>
-          </p:cNvPicPr>
-          <p:nvPr/>
-        </p:nvPicPr>
-        <p:blipFill>
-          <a:blip r:embed="rId5"/>
-          <a:srcRect t="52708" r="29812"/>
-          <a:stretch/>
-        </p:blipFill>
-        <p:spPr>
-          <a:xfrm>
-            <a:off x="7011670" y="0"/>
-            <a:ext cx="5180330" cy="1963420"/>
-          </a:xfrm>
-          <a:prstGeom prst="rect">
-            <a:avLst/>
-          </a:prstGeom>
-        </p:spPr>
-      </p:pic>
-      <p:pic>
-        <p:nvPicPr>
           <p:cNvPr id="6" name="Image 4" descr="https://kimi-img.moonshot.cn/pub/slides/slides_tmpl/image/25-09-05-18:06:13-d2tbc5dnfo2stf9djoug.png"/>
           <p:cNvPicPr>
             <a:picLocks noChangeAspect="1"/>
@@ -7585,7 +6397,7 @@
           <p:nvPr/>
         </p:nvPicPr>
         <p:blipFill>
-          <a:blip r:embed="rId6"/>
+          <a:blip r:embed="rId5"/>
           <a:stretch>
             <a:fillRect/>
           </a:stretch>
@@ -7608,7 +6420,7 @@
         </p:nvSpPr>
         <p:spPr>
           <a:xfrm>
-            <a:off x="2033036" y="1240816"/>
+            <a:off x="1056618" y="672246"/>
             <a:ext cx="7661469" cy="722226"/>
           </a:xfrm>
           <a:prstGeom prst="rect">
@@ -7627,7 +6439,7 @@
               </a:lnSpc>
             </a:pPr>
             <a:r>
-              <a:rPr lang="en-US" sz="3000" b="1" dirty="0">
+              <a:rPr lang="en-US" altLang="ja-JP" sz="3000" b="1" dirty="0">
                 <a:solidFill>
                   <a:srgbClr val="0C3C84"/>
                 </a:solidFill>
@@ -7635,363 +6447,584 @@
                 <a:ea typeface="Noto Sans SC" pitchFamily="34" charset="-122"/>
                 <a:cs typeface="Noto Sans SC" pitchFamily="34" charset="-120"/>
               </a:rPr>
-              <a:t>セッション隔離でセキュリティ強化</a:t>
+              <a:t>Rag </a:t>
+            </a:r>
+            <a:r>
+              <a:rPr lang="ja-JP" altLang="en-US" sz="3000" b="1" dirty="0">
+                <a:solidFill>
+                  <a:srgbClr val="0C3C84"/>
+                </a:solidFill>
+                <a:latin typeface="Noto Sans SC" pitchFamily="34" charset="0"/>
+                <a:ea typeface="Noto Sans SC" pitchFamily="34" charset="-122"/>
+                <a:cs typeface="Noto Sans SC" pitchFamily="34" charset="-120"/>
+              </a:rPr>
+              <a:t>が利用している </a:t>
+            </a:r>
+            <a:r>
+              <a:rPr lang="en-US" altLang="ja-JP" sz="3000" b="1" dirty="0">
+                <a:solidFill>
+                  <a:srgbClr val="0C3C84"/>
+                </a:solidFill>
+                <a:latin typeface="Noto Sans SC" pitchFamily="34" charset="0"/>
+                <a:ea typeface="Noto Sans SC" pitchFamily="34" charset="-122"/>
+                <a:cs typeface="Noto Sans SC" pitchFamily="34" charset="-120"/>
+              </a:rPr>
+              <a:t>Guacamole </a:t>
+            </a:r>
+            <a:r>
+              <a:rPr lang="ja-JP" altLang="en-US" sz="3000" b="1" dirty="0">
+                <a:solidFill>
+                  <a:srgbClr val="0C3C84"/>
+                </a:solidFill>
+                <a:latin typeface="Noto Sans SC" pitchFamily="34" charset="0"/>
+                <a:ea typeface="Noto Sans SC" pitchFamily="34" charset="-122"/>
+                <a:cs typeface="Noto Sans SC" pitchFamily="34" charset="-120"/>
+              </a:rPr>
+              <a:t>機能</a:t>
             </a:r>
             <a:endParaRPr lang="en-US" sz="1600" dirty="0"/>
           </a:p>
         </p:txBody>
       </p:sp>
-      <p:sp>
-        <p:nvSpPr>
-          <p:cNvPr id="9" name="Text 1"/>
-          <p:cNvSpPr/>
-          <p:nvPr/>
-        </p:nvSpPr>
-        <p:spPr>
-          <a:xfrm>
-            <a:off x="2284963" y="2030445"/>
-            <a:ext cx="8139542" cy="722226"/>
-          </a:xfrm>
-          <a:prstGeom prst="rect">
-            <a:avLst/>
-          </a:prstGeom>
-          <a:noFill/>
-          <a:ln/>
-        </p:spPr>
-        <p:txBody>
-          <a:bodyPr wrap="square" lIns="0" tIns="0" rIns="0" bIns="0" rtlCol="0" anchor="ctr"/>
-          <a:lstStyle/>
-          <a:p>
-            <a:pPr>
-              <a:lnSpc>
-                <a:spcPct val="120000"/>
-              </a:lnSpc>
-            </a:pPr>
-            <a:r>
-              <a:rPr lang="en-US" sz="1400" dirty="0">
-                <a:solidFill>
-                  <a:srgbClr val="212121"/>
-                </a:solidFill>
-                <a:latin typeface="Noto Sans SC" pitchFamily="34" charset="0"/>
-                <a:ea typeface="Noto Sans SC" pitchFamily="34" charset="-122"/>
-                <a:cs typeface="Noto Sans SC" pitchFamily="34" charset="-120"/>
-              </a:rPr>
-              <a:t>ユーザごとにセッションを厳格に分離し、他のユーザの操作を閲覧したり影響を与えたりすることを防ぎます。社内認証システムと連携し、権限付与された接続先のみにアクセス可能です。</a:t>
-            </a:r>
-            <a:endParaRPr lang="en-US" sz="1600" dirty="0"/>
-          </a:p>
-        </p:txBody>
-      </p:sp>
-      <p:sp>
-        <p:nvSpPr>
-          <p:cNvPr id="10" name="Shape 2"/>
-          <p:cNvSpPr/>
-          <p:nvPr/>
-        </p:nvSpPr>
-        <p:spPr>
-          <a:xfrm>
-            <a:off x="1650482" y="3057471"/>
-            <a:ext cx="5435600" cy="1117600"/>
-          </a:xfrm>
-          <a:custGeom>
-            <a:avLst/>
-            <a:gdLst/>
-            <a:ahLst/>
-            <a:cxnLst/>
-            <a:rect l="l" t="t" r="r" b="b"/>
-            <a:pathLst>
-              <a:path w="5435600" h="1117600">
-                <a:moveTo>
-                  <a:pt x="101601" y="0"/>
-                </a:moveTo>
-                <a:lnTo>
-                  <a:pt x="5333999" y="0"/>
-                </a:lnTo>
-                <a:cubicBezTo>
-                  <a:pt x="5390112" y="0"/>
-                  <a:pt x="5435600" y="45488"/>
-                  <a:pt x="5435600" y="101601"/>
-                </a:cubicBezTo>
-                <a:lnTo>
-                  <a:pt x="5435600" y="1015999"/>
-                </a:lnTo>
-                <a:cubicBezTo>
-                  <a:pt x="5435600" y="1072112"/>
-                  <a:pt x="5390112" y="1117600"/>
-                  <a:pt x="5333999" y="1117600"/>
-                </a:cubicBezTo>
-                <a:lnTo>
-                  <a:pt x="101601" y="1117600"/>
-                </a:lnTo>
-                <a:cubicBezTo>
-                  <a:pt x="45488" y="1117600"/>
-                  <a:pt x="0" y="1072112"/>
-                  <a:pt x="0" y="1015999"/>
-                </a:cubicBezTo>
-                <a:lnTo>
-                  <a:pt x="0" y="101601"/>
-                </a:lnTo>
-                <a:cubicBezTo>
-                  <a:pt x="0" y="45526"/>
-                  <a:pt x="45526" y="0"/>
-                  <a:pt x="101601" y="0"/>
-                </a:cubicBezTo>
-                <a:close/>
-              </a:path>
-            </a:pathLst>
-          </a:custGeom>
-          <a:solidFill>
-            <a:srgbClr val="3068DB">
-              <a:alpha val="10196"/>
-            </a:srgbClr>
-          </a:solidFill>
-          <a:ln/>
-        </p:spPr>
-        <p:txBody>
-          <a:bodyPr/>
-          <a:lstStyle/>
-          <a:p>
-            <a:endParaRPr lang="zh-CN" altLang="en-US"/>
-          </a:p>
-        </p:txBody>
-      </p:sp>
-      <p:sp>
-        <p:nvSpPr>
-          <p:cNvPr id="11" name="Text 3"/>
-          <p:cNvSpPr/>
-          <p:nvPr/>
-        </p:nvSpPr>
-        <p:spPr>
-          <a:xfrm>
-            <a:off x="1853682" y="3124199"/>
-            <a:ext cx="5232400" cy="304800"/>
-          </a:xfrm>
-          <a:prstGeom prst="rect">
-            <a:avLst/>
-          </a:prstGeom>
-          <a:noFill/>
-          <a:ln/>
-        </p:spPr>
-        <p:txBody>
-          <a:bodyPr wrap="square" lIns="0" tIns="0" rIns="0" bIns="0" rtlCol="0" anchor="ctr"/>
-          <a:lstStyle/>
-          <a:p>
-            <a:pPr>
-              <a:lnSpc>
-                <a:spcPct val="130000"/>
-              </a:lnSpc>
-            </a:pPr>
-            <a:r>
-              <a:rPr lang="en-US" sz="1600" b="1" dirty="0">
-                <a:solidFill>
-                  <a:srgbClr val="3068DB"/>
-                </a:solidFill>
-                <a:latin typeface="Noto Sans SC" pitchFamily="34" charset="0"/>
-                <a:ea typeface="Noto Sans SC" pitchFamily="34" charset="-122"/>
-                <a:cs typeface="Noto Sans SC" pitchFamily="34" charset="-120"/>
-              </a:rPr>
-              <a:t>情報漏洩リスクの低減</a:t>
-            </a:r>
-            <a:endParaRPr lang="en-US" sz="1600" dirty="0"/>
-          </a:p>
-        </p:txBody>
-      </p:sp>
-      <p:sp>
-        <p:nvSpPr>
-          <p:cNvPr id="12" name="Text 4"/>
-          <p:cNvSpPr/>
-          <p:nvPr/>
-        </p:nvSpPr>
-        <p:spPr>
-          <a:xfrm>
-            <a:off x="1866382" y="3517900"/>
-            <a:ext cx="5219700" cy="508000"/>
-          </a:xfrm>
-          <a:prstGeom prst="rect">
-            <a:avLst/>
-          </a:prstGeom>
-          <a:noFill/>
-          <a:ln/>
-        </p:spPr>
-        <p:txBody>
-          <a:bodyPr wrap="square" lIns="0" tIns="0" rIns="0" bIns="0" rtlCol="0" anchor="ctr"/>
-          <a:lstStyle/>
-          <a:p>
-            <a:pPr>
-              <a:lnSpc>
-                <a:spcPct val="120000"/>
-              </a:lnSpc>
-            </a:pPr>
-            <a:r>
-              <a:rPr lang="en-US" sz="1400" dirty="0">
-                <a:solidFill>
-                  <a:srgbClr val="212121"/>
-                </a:solidFill>
-                <a:latin typeface="Noto Sans SC" pitchFamily="34" charset="0"/>
-                <a:ea typeface="Noto Sans SC" pitchFamily="34" charset="-122"/>
-                <a:cs typeface="Noto Sans SC" pitchFamily="34" charset="-120"/>
-              </a:rPr>
-              <a:t>各セッションは独立しており、他のユーザの画面やデータを覗き見できない仕組み。</a:t>
-            </a:r>
-            <a:endParaRPr lang="en-US" sz="1600" dirty="0"/>
-          </a:p>
-        </p:txBody>
-      </p:sp>
-      <p:sp>
-        <p:nvSpPr>
-          <p:cNvPr id="13" name="Shape 5"/>
-          <p:cNvSpPr/>
-          <p:nvPr/>
-        </p:nvSpPr>
-        <p:spPr>
-          <a:xfrm>
-            <a:off x="3545523" y="4622800"/>
-            <a:ext cx="5710444" cy="1117600"/>
-          </a:xfrm>
-          <a:custGeom>
-            <a:avLst/>
-            <a:gdLst/>
-            <a:ahLst/>
-            <a:cxnLst/>
-            <a:rect l="l" t="t" r="r" b="b"/>
-            <a:pathLst>
-              <a:path w="5435600" h="1117600">
-                <a:moveTo>
-                  <a:pt x="101601" y="0"/>
-                </a:moveTo>
-                <a:lnTo>
-                  <a:pt x="5333999" y="0"/>
-                </a:lnTo>
-                <a:cubicBezTo>
-                  <a:pt x="5390112" y="0"/>
-                  <a:pt x="5435600" y="45488"/>
-                  <a:pt x="5435600" y="101601"/>
-                </a:cubicBezTo>
-                <a:lnTo>
-                  <a:pt x="5435600" y="1015999"/>
-                </a:lnTo>
-                <a:cubicBezTo>
-                  <a:pt x="5435600" y="1072112"/>
-                  <a:pt x="5390112" y="1117600"/>
-                  <a:pt x="5333999" y="1117600"/>
-                </a:cubicBezTo>
-                <a:lnTo>
-                  <a:pt x="101601" y="1117600"/>
-                </a:lnTo>
-                <a:cubicBezTo>
-                  <a:pt x="45488" y="1117600"/>
-                  <a:pt x="0" y="1072112"/>
-                  <a:pt x="0" y="1015999"/>
-                </a:cubicBezTo>
-                <a:lnTo>
-                  <a:pt x="0" y="101601"/>
-                </a:lnTo>
-                <a:cubicBezTo>
-                  <a:pt x="0" y="45526"/>
-                  <a:pt x="45526" y="0"/>
-                  <a:pt x="101601" y="0"/>
-                </a:cubicBezTo>
-                <a:close/>
-              </a:path>
-            </a:pathLst>
-          </a:custGeom>
-          <a:solidFill>
-            <a:srgbClr val="3068DB">
-              <a:alpha val="10196"/>
-            </a:srgbClr>
-          </a:solidFill>
-          <a:ln/>
-        </p:spPr>
-        <p:txBody>
-          <a:bodyPr/>
-          <a:lstStyle/>
-          <a:p>
-            <a:endParaRPr lang="zh-CN" altLang="en-US"/>
-          </a:p>
-        </p:txBody>
-      </p:sp>
-      <p:sp>
-        <p:nvSpPr>
-          <p:cNvPr id="14" name="Text 6"/>
-          <p:cNvSpPr/>
-          <p:nvPr/>
-        </p:nvSpPr>
-        <p:spPr>
-          <a:xfrm>
-            <a:off x="3748723" y="4769898"/>
-            <a:ext cx="5232400" cy="304800"/>
-          </a:xfrm>
-          <a:prstGeom prst="rect">
-            <a:avLst/>
-          </a:prstGeom>
-          <a:noFill/>
-          <a:ln/>
-        </p:spPr>
-        <p:txBody>
-          <a:bodyPr wrap="square" lIns="0" tIns="0" rIns="0" bIns="0" rtlCol="0" anchor="ctr"/>
-          <a:lstStyle/>
-          <a:p>
-            <a:pPr>
-              <a:lnSpc>
-                <a:spcPct val="130000"/>
-              </a:lnSpc>
-            </a:pPr>
-            <a:r>
-              <a:rPr lang="en-US" sz="1600" b="1" dirty="0">
-                <a:solidFill>
-                  <a:srgbClr val="3068DB"/>
-                </a:solidFill>
-                <a:latin typeface="Noto Sans SC" pitchFamily="34" charset="0"/>
-                <a:ea typeface="Noto Sans SC" pitchFamily="34" charset="-122"/>
-                <a:cs typeface="Noto Sans SC" pitchFamily="34" charset="-120"/>
-              </a:rPr>
-              <a:t>アクセス範囲の細かな制御</a:t>
-            </a:r>
-            <a:endParaRPr lang="en-US" sz="1600" dirty="0"/>
-          </a:p>
-        </p:txBody>
-      </p:sp>
-      <p:sp>
-        <p:nvSpPr>
-          <p:cNvPr id="15" name="Text 7"/>
-          <p:cNvSpPr/>
-          <p:nvPr/>
-        </p:nvSpPr>
-        <p:spPr>
-          <a:xfrm>
-            <a:off x="3827625" y="5153549"/>
-            <a:ext cx="5219700" cy="508000"/>
-          </a:xfrm>
-          <a:prstGeom prst="rect">
-            <a:avLst/>
-          </a:prstGeom>
-          <a:noFill/>
-          <a:ln/>
-        </p:spPr>
-        <p:txBody>
-          <a:bodyPr wrap="square" lIns="0" tIns="0" rIns="0" bIns="0" rtlCol="0" anchor="ctr"/>
-          <a:lstStyle/>
-          <a:p>
-            <a:pPr>
-              <a:lnSpc>
-                <a:spcPct val="120000"/>
-              </a:lnSpc>
-            </a:pPr>
-            <a:r>
-              <a:rPr lang="en-US" sz="1400" dirty="0">
-                <a:solidFill>
-                  <a:srgbClr val="212121"/>
-                </a:solidFill>
-                <a:latin typeface="Noto Sans SC" pitchFamily="34" charset="0"/>
-                <a:ea typeface="Noto Sans SC" pitchFamily="34" charset="-122"/>
-                <a:cs typeface="Noto Sans SC" pitchFamily="34" charset="-120"/>
-              </a:rPr>
-              <a:t>許可されたサーバへのアクセスのみを可能にし、誤操作や不正アクセスを防止。</a:t>
-            </a:r>
-            <a:endParaRPr lang="en-US" sz="1600" dirty="0"/>
-          </a:p>
-        </p:txBody>
-      </p:sp>
+      <p:graphicFrame>
+        <p:nvGraphicFramePr>
+          <p:cNvPr id="33" name="表格 32">
+            <a:extLst>
+              <a:ext uri="{FF2B5EF4-FFF2-40B4-BE49-F238E27FC236}">
+                <a16:creationId xmlns:a16="http://schemas.microsoft.com/office/drawing/2014/main" id="{9CAC111C-1D97-2012-6AD6-416E875B47E3}"/>
+              </a:ext>
+            </a:extLst>
+          </p:cNvPr>
+          <p:cNvGraphicFramePr>
+            <a:graphicFrameLocks noGrp="1"/>
+          </p:cNvGraphicFramePr>
+          <p:nvPr>
+            <p:extLst>
+              <p:ext uri="{D42A27DB-BD31-4B8C-83A1-F6EECF244321}">
+                <p14:modId xmlns:p14="http://schemas.microsoft.com/office/powerpoint/2010/main" val="3275306302"/>
+              </p:ext>
+            </p:extLst>
+          </p:nvPr>
+        </p:nvGraphicFramePr>
+        <p:xfrm>
+          <a:off x="717193" y="1380022"/>
+          <a:ext cx="10757609" cy="4659736"/>
+        </p:xfrm>
+        <a:graphic>
+          <a:graphicData uri="http://schemas.openxmlformats.org/drawingml/2006/table">
+            <a:tbl>
+              <a:tblPr firstRow="1" bandRow="1">
+                <a:tableStyleId>{5C22544A-7EE6-4342-B048-85BDC9FD1C3A}</a:tableStyleId>
+              </a:tblPr>
+              <a:tblGrid>
+                <a:gridCol w="2260521">
+                  <a:extLst>
+                    <a:ext uri="{9D8B030D-6E8A-4147-A177-3AD203B41FA5}">
+                      <a16:colId xmlns:a16="http://schemas.microsoft.com/office/drawing/2014/main" val="165612869"/>
+                    </a:ext>
+                  </a:extLst>
+                </a:gridCol>
+                <a:gridCol w="4477445">
+                  <a:extLst>
+                    <a:ext uri="{9D8B030D-6E8A-4147-A177-3AD203B41FA5}">
+                      <a16:colId xmlns:a16="http://schemas.microsoft.com/office/drawing/2014/main" val="2569969993"/>
+                    </a:ext>
+                  </a:extLst>
+                </a:gridCol>
+                <a:gridCol w="4019643">
+                  <a:extLst>
+                    <a:ext uri="{9D8B030D-6E8A-4147-A177-3AD203B41FA5}">
+                      <a16:colId xmlns:a16="http://schemas.microsoft.com/office/drawing/2014/main" val="3398520647"/>
+                    </a:ext>
+                  </a:extLst>
+                </a:gridCol>
+              </a:tblGrid>
+              <a:tr h="397006">
+                <a:tc>
+                  <a:txBody>
+                    <a:bodyPr/>
+                    <a:lstStyle/>
+                    <a:p>
+                      <a:r>
+                        <a:rPr lang="en-US" altLang="ja-JP" dirty="0"/>
+                        <a:t>RAG</a:t>
+                      </a:r>
+                      <a:endParaRPr lang="zh-CN" altLang="en-US" dirty="0"/>
+                    </a:p>
+                  </a:txBody>
+                  <a:tcPr/>
+                </a:tc>
+                <a:tc>
+                  <a:txBody>
+                    <a:bodyPr/>
+                    <a:lstStyle/>
+                    <a:p>
+                      <a:r>
+                        <a:rPr lang="en-US" altLang="ja-JP" dirty="0"/>
+                        <a:t>guacamole</a:t>
+                      </a:r>
+                      <a:endParaRPr lang="zh-CN" altLang="en-US" dirty="0"/>
+                    </a:p>
+                  </a:txBody>
+                  <a:tcPr/>
+                </a:tc>
+                <a:tc>
+                  <a:txBody>
+                    <a:bodyPr/>
+                    <a:lstStyle/>
+                    <a:p>
+                      <a:endParaRPr lang="zh-CN" altLang="en-US" dirty="0"/>
+                    </a:p>
+                  </a:txBody>
+                  <a:tcPr/>
+                </a:tc>
+                <a:extLst>
+                  <a:ext uri="{0D108BD9-81ED-4DB2-BD59-A6C34878D82A}">
+                    <a16:rowId xmlns:a16="http://schemas.microsoft.com/office/drawing/2014/main" val="1639890683"/>
+                  </a:ext>
+                </a:extLst>
+              </a:tr>
+              <a:tr h="927934">
+                <a:tc>
+                  <a:txBody>
+                    <a:bodyPr/>
+                    <a:lstStyle/>
+                    <a:p>
+                      <a:r>
+                        <a:rPr lang="ja-JP" altLang="en-US" dirty="0"/>
+                        <a:t>ターゲット接続</a:t>
+                      </a:r>
+                      <a:endParaRPr lang="zh-CN" altLang="en-US" dirty="0"/>
+                    </a:p>
+                  </a:txBody>
+                  <a:tcPr/>
+                </a:tc>
+                <a:tc>
+                  <a:txBody>
+                    <a:bodyPr/>
+                    <a:lstStyle/>
+                    <a:p>
+                      <a:r>
+                        <a:rPr lang="en-US" altLang="ja-JP" dirty="0"/>
+                        <a:t>RDP</a:t>
+                      </a:r>
+                      <a:r>
+                        <a:rPr lang="ja-JP" altLang="en-US" dirty="0"/>
+                        <a:t>、</a:t>
+                      </a:r>
+                      <a:r>
+                        <a:rPr lang="en-US" altLang="ja-JP" dirty="0"/>
+                        <a:t>SSH</a:t>
+                      </a:r>
+                      <a:r>
+                        <a:rPr lang="ja-JP" altLang="en-US" dirty="0"/>
+                        <a:t>のトンネル接続</a:t>
+                      </a:r>
+                      <a:r>
+                        <a:rPr lang="en-US" altLang="ja-JP" dirty="0"/>
+                        <a:t>(</a:t>
+                      </a:r>
+                      <a:r>
+                        <a:rPr lang="en-US" altLang="ja-JP" dirty="0" err="1"/>
+                        <a:t>websocket</a:t>
+                      </a:r>
+                      <a:r>
+                        <a:rPr lang="en-US" altLang="ja-JP" dirty="0"/>
+                        <a:t>)</a:t>
+                      </a:r>
+                    </a:p>
+                    <a:p>
+                      <a:r>
+                        <a:rPr lang="ja-JP" altLang="en-US" dirty="0"/>
+                        <a:t>ユーザ管理</a:t>
+                      </a:r>
+                      <a:r>
+                        <a:rPr lang="en-US" altLang="ja-JP" dirty="0"/>
+                        <a:t>(</a:t>
+                      </a:r>
+                      <a:r>
+                        <a:rPr lang="ja-JP" altLang="en-US" dirty="0"/>
+                        <a:t>登録・権限登録</a:t>
+                      </a:r>
+                      <a:r>
+                        <a:rPr lang="en-US" altLang="ja-JP" dirty="0"/>
+                        <a:t>)</a:t>
+                      </a:r>
+                      <a:br>
+                        <a:rPr lang="en-US" altLang="ja-JP" dirty="0"/>
+                      </a:br>
+                      <a:r>
+                        <a:rPr lang="ja-JP" altLang="en-US" dirty="0"/>
+                        <a:t>接続管理</a:t>
+                      </a:r>
+                      <a:r>
+                        <a:rPr lang="en-US" altLang="ja-JP" dirty="0"/>
+                        <a:t>(</a:t>
+                      </a:r>
+                      <a:r>
+                        <a:rPr lang="ja-JP" altLang="en-US" dirty="0"/>
+                        <a:t>登録・更新</a:t>
+                      </a:r>
+                      <a:r>
+                        <a:rPr lang="en-US" altLang="ja-JP" dirty="0"/>
+                        <a:t>)</a:t>
+                      </a:r>
+                      <a:endParaRPr lang="zh-CN" altLang="en-US" dirty="0"/>
+                    </a:p>
+                  </a:txBody>
+                  <a:tcPr/>
+                </a:tc>
+                <a:tc>
+                  <a:txBody>
+                    <a:bodyPr/>
+                    <a:lstStyle/>
+                    <a:p>
+                      <a:r>
+                        <a:rPr lang="ja-JP" altLang="en-US" dirty="0"/>
+                        <a:t>プロトコル接続を </a:t>
+                      </a:r>
+                      <a:r>
+                        <a:rPr lang="en-US" altLang="ja-JP" dirty="0"/>
+                        <a:t>Guacamole </a:t>
+                      </a:r>
+                      <a:r>
+                        <a:rPr lang="ja-JP" altLang="en-US" dirty="0"/>
+                        <a:t>のエンジンに依存、プロトコル処理・画面転送を </a:t>
+                      </a:r>
+                      <a:r>
+                        <a:rPr lang="en-US" altLang="ja-JP" dirty="0"/>
+                        <a:t>Guacamole </a:t>
+                      </a:r>
+                      <a:r>
+                        <a:rPr lang="ja-JP" altLang="en-US" dirty="0"/>
+                        <a:t>に依存</a:t>
+                      </a:r>
+                      <a:endParaRPr lang="zh-CN" altLang="en-US" dirty="0"/>
+                    </a:p>
+                  </a:txBody>
+                  <a:tcPr/>
+                </a:tc>
+                <a:extLst>
+                  <a:ext uri="{0D108BD9-81ED-4DB2-BD59-A6C34878D82A}">
+                    <a16:rowId xmlns:a16="http://schemas.microsoft.com/office/drawing/2014/main" val="1312280189"/>
+                  </a:ext>
+                </a:extLst>
+              </a:tr>
+              <a:tr h="935878">
+                <a:tc>
+                  <a:txBody>
+                    <a:bodyPr/>
+                    <a:lstStyle/>
+                    <a:p>
+                      <a:r>
+                        <a:rPr lang="ja-JP" altLang="en-US" dirty="0"/>
+                        <a:t>セッション管理</a:t>
+                      </a:r>
+                      <a:br>
+                        <a:rPr lang="en-US" altLang="ja-JP" dirty="0"/>
+                      </a:br>
+                      <a:r>
+                        <a:rPr lang="ja-JP" altLang="en-US" dirty="0"/>
+                        <a:t>　・接続共有</a:t>
+                      </a:r>
+                      <a:br>
+                        <a:rPr lang="en-US" altLang="ja-JP" dirty="0"/>
+                      </a:br>
+                      <a:r>
+                        <a:rPr lang="ja-JP" altLang="en-US" dirty="0"/>
+                        <a:t>　・切断</a:t>
+                      </a:r>
+                      <a:endParaRPr lang="zh-CN" altLang="en-US" dirty="0"/>
+                    </a:p>
+                  </a:txBody>
+                  <a:tcPr/>
+                </a:tc>
+                <a:tc>
+                  <a:txBody>
+                    <a:bodyPr/>
+                    <a:lstStyle/>
+                    <a:p>
+                      <a:r>
+                        <a:rPr lang="ja-JP" altLang="en-US" dirty="0"/>
+                        <a:t>履歴情報取得</a:t>
+                      </a:r>
+                      <a:br>
+                        <a:rPr lang="en-US" altLang="ja-JP" dirty="0"/>
+                      </a:br>
+                      <a:r>
+                        <a:rPr lang="ja-JP" altLang="en-US" dirty="0"/>
+                        <a:t>アクティブセッション取得</a:t>
+                      </a:r>
+                      <a:br>
+                        <a:rPr lang="en-US" altLang="ja-JP" dirty="0"/>
+                      </a:br>
+                      <a:r>
+                        <a:rPr lang="ja-JP" altLang="en-US" dirty="0"/>
+                        <a:t>共有プロファイル情報登録</a:t>
+                      </a:r>
+                      <a:br>
+                        <a:rPr lang="en-US" altLang="ja-JP" dirty="0"/>
+                      </a:br>
+                      <a:r>
+                        <a:rPr lang="ja-JP" altLang="en-US" dirty="0"/>
+                        <a:t>共有プロファイルの</a:t>
+                      </a:r>
+                      <a:r>
+                        <a:rPr lang="en-US" altLang="ja-JP" dirty="0"/>
+                        <a:t>URL</a:t>
+                      </a:r>
+                      <a:r>
+                        <a:rPr lang="ja-JP" altLang="en-US" dirty="0"/>
+                        <a:t>取得</a:t>
+                      </a:r>
+                      <a:br>
+                        <a:rPr lang="en-US" altLang="ja-JP" dirty="0"/>
+                      </a:br>
+                      <a:r>
+                        <a:rPr lang="ja-JP" altLang="en-US" dirty="0"/>
+                        <a:t>アクティブセッション切断</a:t>
+                      </a:r>
+                      <a:endParaRPr lang="en-US" altLang="ja-JP" dirty="0"/>
+                    </a:p>
+                  </a:txBody>
+                  <a:tcPr/>
+                </a:tc>
+                <a:tc>
+                  <a:txBody>
+                    <a:bodyPr/>
+                    <a:lstStyle/>
+                    <a:p>
+                      <a:r>
+                        <a:rPr lang="ja-JP" altLang="en-US" dirty="0"/>
+                        <a:t>セッション管理画面表示情報は</a:t>
+                      </a:r>
+                      <a:r>
+                        <a:rPr lang="en-US" altLang="ja-JP" dirty="0"/>
+                        <a:t>RAG</a:t>
+                      </a:r>
+                      <a:r>
+                        <a:rPr lang="ja-JP" altLang="en-US" dirty="0"/>
+                        <a:t>独自の</a:t>
+                      </a:r>
+                      <a:r>
+                        <a:rPr lang="en-US" altLang="ja-JP" dirty="0"/>
+                        <a:t>DB</a:t>
+                      </a:r>
+                      <a:r>
+                        <a:rPr lang="ja-JP" altLang="en-US" dirty="0"/>
+                        <a:t>の履歴情報で管理してます。</a:t>
+                      </a:r>
+                      <a:endParaRPr lang="en-US" altLang="ja-JP" dirty="0"/>
+                    </a:p>
+                  </a:txBody>
+                  <a:tcPr/>
+                </a:tc>
+                <a:extLst>
+                  <a:ext uri="{0D108BD9-81ED-4DB2-BD59-A6C34878D82A}">
+                    <a16:rowId xmlns:a16="http://schemas.microsoft.com/office/drawing/2014/main" val="1274316202"/>
+                  </a:ext>
+                </a:extLst>
+              </a:tr>
+              <a:tr h="935878">
+                <a:tc>
+                  <a:txBody>
+                    <a:bodyPr/>
+                    <a:lstStyle/>
+                    <a:p>
+                      <a:r>
+                        <a:rPr lang="ja-JP" altLang="en-US" dirty="0"/>
+                        <a:t>ファイルアップロード・ダウンロード</a:t>
+                      </a:r>
+                      <a:endParaRPr lang="zh-CN" altLang="en-US" dirty="0"/>
+                    </a:p>
+                  </a:txBody>
+                  <a:tcPr/>
+                </a:tc>
+                <a:tc>
+                  <a:txBody>
+                    <a:bodyPr/>
+                    <a:lstStyle/>
+                    <a:p>
+                      <a:r>
+                        <a:rPr lang="ja-JP" altLang="en-US" dirty="0"/>
+                        <a:t>転送機能</a:t>
+                      </a:r>
+                      <a:br>
+                        <a:rPr lang="en-US" altLang="ja-JP" dirty="0"/>
+                      </a:br>
+                      <a:r>
+                        <a:rPr lang="ja-JP" altLang="en-US" dirty="0"/>
+                        <a:t>・</a:t>
+                      </a:r>
+                      <a:r>
+                        <a:rPr lang="en-US" altLang="ja-JP" dirty="0"/>
+                        <a:t>RDP</a:t>
+                      </a:r>
+                      <a:r>
+                        <a:rPr lang="ja-JP" altLang="en-US" dirty="0"/>
+                        <a:t>：仮想ドライブ経由のファイル共有</a:t>
+                      </a:r>
+                      <a:br>
+                        <a:rPr lang="ja-JP" altLang="en-US" dirty="0"/>
+                      </a:br>
+                      <a:r>
+                        <a:rPr lang="ja-JP" altLang="en-US" dirty="0"/>
+                        <a:t>・</a:t>
+                      </a:r>
+                      <a:r>
+                        <a:rPr lang="en-US" altLang="ja-JP" dirty="0"/>
+                        <a:t>SSH/SFTP</a:t>
+                      </a:r>
+                      <a:r>
+                        <a:rPr lang="ja-JP" altLang="en-US" dirty="0"/>
+                        <a:t>：</a:t>
+                      </a:r>
+                      <a:r>
+                        <a:rPr lang="en-US" altLang="ja-JP" dirty="0"/>
+                        <a:t>SFTP</a:t>
+                      </a:r>
+                      <a:r>
+                        <a:rPr lang="ja-JP" altLang="en-US" dirty="0"/>
+                        <a:t>プロトコルで転送</a:t>
+                      </a:r>
+                      <a:endParaRPr lang="zh-CN" altLang="en-US" dirty="0"/>
+                    </a:p>
+                  </a:txBody>
+                  <a:tcPr/>
+                </a:tc>
+                <a:tc>
+                  <a:txBody>
+                    <a:bodyPr/>
+                    <a:lstStyle/>
+                    <a:p>
+                      <a:r>
+                        <a:rPr lang="ja-JP" altLang="en-US" dirty="0"/>
+                        <a:t>転送処理そのものは</a:t>
+                      </a:r>
+                      <a:r>
+                        <a:rPr lang="en-US" altLang="ja-JP" dirty="0"/>
+                        <a:t>Guacamole</a:t>
+                      </a:r>
+                      <a:r>
+                        <a:rPr lang="ja-JP" altLang="en-US" dirty="0"/>
+                        <a:t>に依存し、</a:t>
+                      </a:r>
+                      <a:r>
+                        <a:rPr lang="en-US" altLang="ja-JP" dirty="0"/>
+                        <a:t>Rag</a:t>
+                      </a:r>
+                      <a:r>
+                        <a:rPr lang="ja-JP" altLang="en-US" dirty="0"/>
+                        <a:t>は制御を追加してます。</a:t>
+                      </a:r>
+                      <a:endParaRPr lang="zh-CN" altLang="en-US" dirty="0"/>
+                    </a:p>
+                  </a:txBody>
+                  <a:tcPr/>
+                </a:tc>
+                <a:extLst>
+                  <a:ext uri="{0D108BD9-81ED-4DB2-BD59-A6C34878D82A}">
+                    <a16:rowId xmlns:a16="http://schemas.microsoft.com/office/drawing/2014/main" val="2059967414"/>
+                  </a:ext>
+                </a:extLst>
+              </a:tr>
+              <a:tr h="935878">
+                <a:tc>
+                  <a:txBody>
+                    <a:bodyPr/>
+                    <a:lstStyle/>
+                    <a:p>
+                      <a:pPr marL="0" marR="0" lvl="0" indent="0" algn="l" defTabSz="914400" rtl="0" eaLnBrk="1" fontAlgn="auto" latinLnBrk="0" hangingPunct="1">
+                        <a:lnSpc>
+                          <a:spcPct val="100000"/>
+                        </a:lnSpc>
+                        <a:spcBef>
+                          <a:spcPts val="0"/>
+                        </a:spcBef>
+                        <a:spcAft>
+                          <a:spcPts val="0"/>
+                        </a:spcAft>
+                        <a:buClrTx/>
+                        <a:buSzTx/>
+                        <a:buFontTx/>
+                        <a:buNone/>
+                        <a:tabLst/>
+                        <a:defRPr/>
+                      </a:pPr>
+                      <a:r>
+                        <a:rPr lang="ja-JP" altLang="en-US" dirty="0"/>
+                        <a:t>録画</a:t>
+                      </a:r>
+                      <a:endParaRPr lang="en-US" altLang="ja-JP" dirty="0"/>
+                    </a:p>
+                  </a:txBody>
+                  <a:tcPr/>
+                </a:tc>
+                <a:tc>
+                  <a:txBody>
+                    <a:bodyPr/>
+                    <a:lstStyle/>
+                    <a:p>
+                      <a:r>
+                        <a:rPr lang="ja-JP" altLang="en-US" dirty="0"/>
+                        <a:t>画面録画</a:t>
+                      </a:r>
+                      <a:br>
+                        <a:rPr lang="en-US" altLang="ja-JP" dirty="0"/>
+                      </a:br>
+                      <a:r>
+                        <a:rPr lang="ja-JP" altLang="en-US" dirty="0"/>
+                        <a:t>エンコーディング</a:t>
+                      </a:r>
+                      <a:endParaRPr lang="zh-CN" altLang="en-US" dirty="0"/>
+                    </a:p>
+                  </a:txBody>
+                  <a:tcPr/>
+                </a:tc>
+                <a:tc>
+                  <a:txBody>
+                    <a:bodyPr/>
+                    <a:lstStyle/>
+                    <a:p>
+                      <a:r>
+                        <a:rPr lang="en-US" altLang="ja-JP" dirty="0"/>
+                        <a:t>guacamole</a:t>
+                      </a:r>
+                      <a:r>
+                        <a:rPr lang="ja-JP" altLang="en-US" dirty="0"/>
+                        <a:t>の独自の録画ファイルを</a:t>
+                      </a:r>
+                      <a:r>
+                        <a:rPr lang="en-US" altLang="ja-JP" dirty="0"/>
+                        <a:t>MP4</a:t>
+                      </a:r>
+                      <a:r>
+                        <a:rPr lang="ja-JP" altLang="en-US" dirty="0"/>
+                        <a:t>へエンコードして</a:t>
+                      </a:r>
+                      <a:r>
+                        <a:rPr lang="en-US" altLang="ja-JP" dirty="0"/>
+                        <a:t>S3</a:t>
+                      </a:r>
+                      <a:r>
+                        <a:rPr lang="ja-JP" altLang="en-US" dirty="0"/>
+                        <a:t>で格納してます。</a:t>
+                      </a:r>
+                      <a:endParaRPr lang="zh-CN" altLang="en-US" dirty="0"/>
+                    </a:p>
+                  </a:txBody>
+                  <a:tcPr/>
+                </a:tc>
+                <a:extLst>
+                  <a:ext uri="{0D108BD9-81ED-4DB2-BD59-A6C34878D82A}">
+                    <a16:rowId xmlns:a16="http://schemas.microsoft.com/office/drawing/2014/main" val="3993009310"/>
+                  </a:ext>
+                </a:extLst>
+              </a:tr>
+            </a:tbl>
+          </a:graphicData>
+        </a:graphic>
+      </p:graphicFrame>
     </p:spTree>
   </p:cSld>
   <p:clrMapOvr>
@@ -8000,7 +7033,7 @@
 </p:sld>
 </file>
 
-<file path=ppt/slides/slide8.xml><?xml version="1.0" encoding="utf-8"?>
+<file path=ppt/slides/slide7.xml><?xml version="1.0" encoding="utf-8"?>
 <p:sld xmlns:a="http://schemas.openxmlformats.org/drawingml/2006/main" xmlns:r="http://schemas.openxmlformats.org/officeDocument/2006/relationships" xmlns:p="http://schemas.openxmlformats.org/presentationml/2006/main">
   <p:cSld name="Slide 16">
     <p:bg>
@@ -8043,7 +7076,7 @@
         </p:blipFill>
         <p:spPr>
           <a:xfrm rot="16200000">
-            <a:off x="2666999" y="-3058794"/>
+            <a:off x="2667000" y="-2956157"/>
             <a:ext cx="6858000" cy="12192000"/>
           </a:xfrm>
           <a:prstGeom prst="rect">
@@ -8154,7 +7187,7 @@
         </p:nvSpPr>
         <p:spPr>
           <a:xfrm>
-            <a:off x="1846424" y="2355215"/>
+            <a:off x="1976015" y="2537162"/>
             <a:ext cx="8239968" cy="1326041"/>
           </a:xfrm>
           <a:prstGeom prst="rect">
